--- a/WELCOME TO OUR LIBRARY WEBSITRE PRESENTATION.pptx
+++ b/WELCOME TO OUR LIBRARY WEBSITRE PRESENTATION.pptx
@@ -1533,7 +1533,7 @@
             <a:pPr rtl="0"/>
             <a:fld id="{6D3EBF46-CD41-4ADB-98F7-060E46B263C6}" type="datetime8">
               <a:rPr lang="fr-FR" noProof="0" smtClean="0"/>
-              <a:t>24/10/2023 06:50</a:t>
+              <a:t>24/10/2023 10:23</a:t>
             </a:fld>
             <a:endParaRPr lang="fr-FR" noProof="0"/>
           </a:p>
@@ -1658,7 +1658,7 @@
           <p:cNvPr id="9" name="Rectangle 8">
             <a:extLst>
               <a:ext uri="{FF2B5EF4-FFF2-40B4-BE49-F238E27FC236}">
-                <a16:creationId xmlns:a16="http://schemas.microsoft.com/office/drawing/2014/main" xmlns="" id="{060054D9-7800-4106-9C2D-E383D9D6A16D}"/>
+                <a16:creationId xmlns="" xmlns:a16="http://schemas.microsoft.com/office/drawing/2014/main" id="{060054D9-7800-4106-9C2D-E383D9D6A16D}"/>
               </a:ext>
             </a:extLst>
           </p:cNvPr>
@@ -1717,7 +1717,7 @@
             <a:pPr rtl="0"/>
             <a:fld id="{4BE41DEA-C873-4694-9EB4-E2163039A5BA}" type="datetime8">
               <a:rPr lang="fr-FR" noProof="0" smtClean="0"/>
-              <a:t>24/10/2023 06:50</a:t>
+              <a:t>24/10/2023 10:23</a:t>
             </a:fld>
             <a:endParaRPr lang="fr-FR" noProof="0"/>
           </a:p>
@@ -1755,7 +1755,7 @@
           <p:cNvPr id="8" name="Espace réservé du contenu 7">
             <a:extLst>
               <a:ext uri="{FF2B5EF4-FFF2-40B4-BE49-F238E27FC236}">
-                <a16:creationId xmlns:a16="http://schemas.microsoft.com/office/drawing/2014/main" xmlns="" id="{CEFBAD01-7A3E-42FB-9A1E-EAF5F97616A8}"/>
+                <a16:creationId xmlns="" xmlns:a16="http://schemas.microsoft.com/office/drawing/2014/main" id="{CEFBAD01-7A3E-42FB-9A1E-EAF5F97616A8}"/>
               </a:ext>
             </a:extLst>
           </p:cNvPr>
@@ -1825,7 +1825,7 @@
           <p:cNvPr id="12" name="Forme libre 6" title="Forme numéro de page">
             <a:extLst>
               <a:ext uri="{FF2B5EF4-FFF2-40B4-BE49-F238E27FC236}">
-                <a16:creationId xmlns:a16="http://schemas.microsoft.com/office/drawing/2014/main" xmlns="" id="{B162E9BD-1CEB-41D5-8DEB-7C5EDF3B01C3}"/>
+                <a16:creationId xmlns="" xmlns:a16="http://schemas.microsoft.com/office/drawing/2014/main" id="{B162E9BD-1CEB-41D5-8DEB-7C5EDF3B01C3}"/>
               </a:ext>
             </a:extLst>
           </p:cNvPr>
@@ -2493,7 +2493,7 @@
             <a:pPr rtl="0"/>
             <a:fld id="{8178D8ED-EFE8-4267-9950-F10DA271B54F}" type="datetime8">
               <a:rPr lang="fr-FR" noProof="0" smtClean="0"/>
-              <a:t>24/10/2023 06:50</a:t>
+              <a:t>24/10/2023 10:23</a:t>
             </a:fld>
             <a:endParaRPr lang="fr-FR" noProof="0"/>
           </a:p>
@@ -2639,7 +2639,7 @@
             <a:pPr rtl="0"/>
             <a:fld id="{1C3CE951-4F20-4EE6-9B6D-994B00073A00}" type="datetime8">
               <a:rPr lang="fr-FR" noProof="0" smtClean="0"/>
-              <a:t>24/10/2023 06:50</a:t>
+              <a:t>24/10/2023 10:23</a:t>
             </a:fld>
             <a:endParaRPr lang="fr-FR" noProof="0"/>
           </a:p>
@@ -2710,7 +2710,7 @@
           <p:cNvPr id="10" name="Espace réservé du contenu 2">
             <a:extLst>
               <a:ext uri="{FF2B5EF4-FFF2-40B4-BE49-F238E27FC236}">
-                <a16:creationId xmlns:a16="http://schemas.microsoft.com/office/drawing/2014/main" xmlns="" id="{A1651A72-6E17-4CF4-8218-285FCAC88EC4}"/>
+                <a16:creationId xmlns="" xmlns:a16="http://schemas.microsoft.com/office/drawing/2014/main" id="{A1651A72-6E17-4CF4-8218-285FCAC88EC4}"/>
               </a:ext>
             </a:extLst>
           </p:cNvPr>
@@ -2772,7 +2772,7 @@
           <p:cNvPr id="11" name="Espace réservé du contenu 3">
             <a:extLst>
               <a:ext uri="{FF2B5EF4-FFF2-40B4-BE49-F238E27FC236}">
-                <a16:creationId xmlns:a16="http://schemas.microsoft.com/office/drawing/2014/main" xmlns="" id="{E2A31231-1080-4CC0-9896-EF779EE27CB5}"/>
+                <a16:creationId xmlns="" xmlns:a16="http://schemas.microsoft.com/office/drawing/2014/main" id="{E2A31231-1080-4CC0-9896-EF779EE27CB5}"/>
               </a:ext>
             </a:extLst>
           </p:cNvPr>
@@ -2909,7 +2909,7 @@
             <a:pPr rtl="0"/>
             <a:fld id="{D52693B5-F9F1-47A2-BB37-32DBFF2693F2}" type="datetime8">
               <a:rPr lang="fr-FR" noProof="0" smtClean="0"/>
-              <a:t>24/10/2023 06:50</a:t>
+              <a:t>24/10/2023 10:23</a:t>
             </a:fld>
             <a:endParaRPr lang="fr-FR" noProof="0"/>
           </a:p>
@@ -3023,7 +3023,7 @@
             <a:pPr rtl="0"/>
             <a:fld id="{3DE72FF1-A765-4D31-9636-07C7D25A1287}" type="datetime8">
               <a:rPr lang="fr-FR" noProof="0" smtClean="0"/>
-              <a:t>24/10/2023 06:50</a:t>
+              <a:t>24/10/2023 10:23</a:t>
             </a:fld>
             <a:endParaRPr lang="fr-FR" noProof="0"/>
           </a:p>
@@ -3341,7 +3341,7 @@
             <a:pPr rtl="0"/>
             <a:fld id="{2CB6CA28-FCA9-459C-8748-72526E2DB345}" type="datetime8">
               <a:rPr lang="fr-FR" noProof="0" smtClean="0"/>
-              <a:t>24/10/2023 06:50</a:t>
+              <a:t>24/10/2023 10:23</a:t>
             </a:fld>
             <a:endParaRPr lang="fr-FR" noProof="0"/>
           </a:p>
@@ -3560,7 +3560,7 @@
             <a:pPr rtl="0"/>
             <a:fld id="{0139D9DA-8A4D-4B84-B3D2-F242C6ED8F3D}" type="datetime8">
               <a:rPr lang="fr-FR" noProof="0" smtClean="0"/>
-              <a:t>24/10/2023 06:50</a:t>
+              <a:t>24/10/2023 10:23</a:t>
             </a:fld>
             <a:endParaRPr lang="fr-FR" noProof="0"/>
           </a:p>
@@ -3631,7 +3631,7 @@
           <p:cNvPr id="8" name="Espace réservé d’image 2">
             <a:extLst>
               <a:ext uri="{FF2B5EF4-FFF2-40B4-BE49-F238E27FC236}">
-                <a16:creationId xmlns:a16="http://schemas.microsoft.com/office/drawing/2014/main" xmlns="" id="{B3A5F786-D848-499D-B37D-96CF11DE90DB}"/>
+                <a16:creationId xmlns="" xmlns:a16="http://schemas.microsoft.com/office/drawing/2014/main" id="{B3A5F786-D848-499D-B37D-96CF11DE90DB}"/>
               </a:ext>
             </a:extLst>
           </p:cNvPr>
@@ -4081,7 +4081,7 @@
             <a:pPr rtl="0"/>
             <a:fld id="{743CD9F2-DBAA-49AD-89D4-1C914E14E772}" type="datetime8">
               <a:rPr lang="fr-FR" noProof="0" smtClean="0"/>
-              <a:t>24/10/2023 06:50</a:t>
+              <a:t>24/10/2023 10:23</a:t>
             </a:fld>
             <a:endParaRPr lang="fr-FR" noProof="0"/>
           </a:p>
@@ -4336,7 +4336,7 @@
             <a:pPr rtl="0"/>
             <a:fld id="{681B1AB1-E3C2-4125-8425-7FAC83FB5ECA}" type="datetime8">
               <a:rPr lang="fr-FR" noProof="0" smtClean="0"/>
-              <a:t>24/10/2023 06:50</a:t>
+              <a:t>24/10/2023 10:23</a:t>
             </a:fld>
             <a:endParaRPr lang="fr-FR" noProof="0"/>
           </a:p>
@@ -4534,7 +4534,7 @@
             <a:pPr rtl="0"/>
             <a:fld id="{175D5512-99FE-4317-896B-5A0A7DC990F7}" type="datetime8">
               <a:rPr lang="fr-FR" noProof="0" smtClean="0"/>
-              <a:t>24/10/2023 06:50</a:t>
+              <a:t>24/10/2023 10:23</a:t>
             </a:fld>
             <a:endParaRPr lang="fr-FR" noProof="0"/>
           </a:p>
@@ -4605,7 +4605,7 @@
           <p:cNvPr id="8" name="Espace réservé du contenu 7">
             <a:extLst>
               <a:ext uri="{FF2B5EF4-FFF2-40B4-BE49-F238E27FC236}">
-                <a16:creationId xmlns:a16="http://schemas.microsoft.com/office/drawing/2014/main" xmlns="" id="{CEFBAD01-7A3E-42FB-9A1E-EAF5F97616A8}"/>
+                <a16:creationId xmlns="" xmlns:a16="http://schemas.microsoft.com/office/drawing/2014/main" id="{CEFBAD01-7A3E-42FB-9A1E-EAF5F97616A8}"/>
               </a:ext>
             </a:extLst>
           </p:cNvPr>
@@ -4639,7 +4639,7 @@
           <p:cNvPr id="9" name="Espace réservé du contenu 7">
             <a:extLst>
               <a:ext uri="{FF2B5EF4-FFF2-40B4-BE49-F238E27FC236}">
-                <a16:creationId xmlns:a16="http://schemas.microsoft.com/office/drawing/2014/main" xmlns="" id="{E983FCBB-03A1-486A-BDE2-92BD88EA0FCF}"/>
+                <a16:creationId xmlns="" xmlns:a16="http://schemas.microsoft.com/office/drawing/2014/main" id="{E983FCBB-03A1-486A-BDE2-92BD88EA0FCF}"/>
               </a:ext>
             </a:extLst>
           </p:cNvPr>
@@ -4703,7 +4703,7 @@
           <p:cNvPr id="14" name="Rectangle 13">
             <a:extLst>
               <a:ext uri="{FF2B5EF4-FFF2-40B4-BE49-F238E27FC236}">
-                <a16:creationId xmlns:a16="http://schemas.microsoft.com/office/drawing/2014/main" xmlns="" id="{D3432B8B-A85D-47CE-98BC-3DF0B2F26AF4}"/>
+                <a16:creationId xmlns="" xmlns:a16="http://schemas.microsoft.com/office/drawing/2014/main" id="{D3432B8B-A85D-47CE-98BC-3DF0B2F26AF4}"/>
               </a:ext>
             </a:extLst>
           </p:cNvPr>
@@ -4854,7 +4854,7 @@
             <a:pPr rtl="0"/>
             <a:fld id="{7EA79B90-72EA-4F4E-9B3D-8CC28FB9A4AF}" type="datetime8">
               <a:rPr lang="fr-FR" noProof="0" smtClean="0"/>
-              <a:t>24/10/2023 06:50</a:t>
+              <a:t>24/10/2023 10:23</a:t>
             </a:fld>
             <a:endParaRPr lang="fr-FR" noProof="0"/>
           </a:p>
@@ -4955,7 +4955,7 @@
           <p:cNvPr id="9" name="Rectangle 8">
             <a:extLst>
               <a:ext uri="{FF2B5EF4-FFF2-40B4-BE49-F238E27FC236}">
-                <a16:creationId xmlns:a16="http://schemas.microsoft.com/office/drawing/2014/main" xmlns="" id="{65AC8F6D-0687-481A-9761-11AB8A79722C}"/>
+                <a16:creationId xmlns="" xmlns:a16="http://schemas.microsoft.com/office/drawing/2014/main" id="{65AC8F6D-0687-481A-9761-11AB8A79722C}"/>
               </a:ext>
             </a:extLst>
           </p:cNvPr>
@@ -5050,7 +5050,7 @@
             <a:pPr rtl="0"/>
             <a:fld id="{96D0804B-261F-4474-9FFB-B7B3BED9967F}" type="datetime8">
               <a:rPr lang="fr-FR" noProof="0" smtClean="0"/>
-              <a:t>24/10/2023 06:50</a:t>
+              <a:t>24/10/2023 10:23</a:t>
             </a:fld>
             <a:endParaRPr lang="fr-FR" noProof="0"/>
           </a:p>
@@ -5088,7 +5088,7 @@
           <p:cNvPr id="8" name="Espace réservé du contenu 7">
             <a:extLst>
               <a:ext uri="{FF2B5EF4-FFF2-40B4-BE49-F238E27FC236}">
-                <a16:creationId xmlns:a16="http://schemas.microsoft.com/office/drawing/2014/main" xmlns="" id="{CEFBAD01-7A3E-42FB-9A1E-EAF5F97616A8}"/>
+                <a16:creationId xmlns="" xmlns:a16="http://schemas.microsoft.com/office/drawing/2014/main" id="{CEFBAD01-7A3E-42FB-9A1E-EAF5F97616A8}"/>
               </a:ext>
             </a:extLst>
           </p:cNvPr>
@@ -5122,7 +5122,7 @@
           <p:cNvPr id="14" name="Forme libre 6" title="Forme numéro de page">
             <a:extLst>
               <a:ext uri="{FF2B5EF4-FFF2-40B4-BE49-F238E27FC236}">
-                <a16:creationId xmlns:a16="http://schemas.microsoft.com/office/drawing/2014/main" xmlns="" id="{0370AA61-B230-4320-8591-17B9EA527174}"/>
+                <a16:creationId xmlns="" xmlns:a16="http://schemas.microsoft.com/office/drawing/2014/main" id="{0370AA61-B230-4320-8591-17B9EA527174}"/>
               </a:ext>
             </a:extLst>
           </p:cNvPr>
@@ -5358,7 +5358,7 @@
           <p:cNvPr id="15" name="Espace réservé du contenu 7">
             <a:extLst>
               <a:ext uri="{FF2B5EF4-FFF2-40B4-BE49-F238E27FC236}">
-                <a16:creationId xmlns:a16="http://schemas.microsoft.com/office/drawing/2014/main" xmlns="" id="{AF3C3132-3E24-455C-9341-F3767C087D59}"/>
+                <a16:creationId xmlns="" xmlns:a16="http://schemas.microsoft.com/office/drawing/2014/main" id="{AF3C3132-3E24-455C-9341-F3767C087D59}"/>
               </a:ext>
             </a:extLst>
           </p:cNvPr>
@@ -5392,7 +5392,7 @@
           <p:cNvPr id="16" name="Espace réservé du contenu 7">
             <a:extLst>
               <a:ext uri="{FF2B5EF4-FFF2-40B4-BE49-F238E27FC236}">
-                <a16:creationId xmlns:a16="http://schemas.microsoft.com/office/drawing/2014/main" xmlns="" id="{2A783413-0A31-4F6C-B545-866183ABB004}"/>
+                <a16:creationId xmlns="" xmlns:a16="http://schemas.microsoft.com/office/drawing/2014/main" id="{2A783413-0A31-4F6C-B545-866183ABB004}"/>
               </a:ext>
             </a:extLst>
           </p:cNvPr>
@@ -5464,7 +5464,7 @@
           <p:cNvPr id="11" name="Rectangle 10">
             <a:extLst>
               <a:ext uri="{FF2B5EF4-FFF2-40B4-BE49-F238E27FC236}">
-                <a16:creationId xmlns:a16="http://schemas.microsoft.com/office/drawing/2014/main" xmlns="" id="{9C8E5ED0-7922-414F-9B0F-CA82F0A3C660}"/>
+                <a16:creationId xmlns="" xmlns:a16="http://schemas.microsoft.com/office/drawing/2014/main" id="{9C8E5ED0-7922-414F-9B0F-CA82F0A3C660}"/>
               </a:ext>
             </a:extLst>
           </p:cNvPr>
@@ -5513,7 +5513,7 @@
           <p:cNvPr id="9" name="Rectangle 8">
             <a:extLst>
               <a:ext uri="{FF2B5EF4-FFF2-40B4-BE49-F238E27FC236}">
-                <a16:creationId xmlns:a16="http://schemas.microsoft.com/office/drawing/2014/main" xmlns="" id="{65AC8F6D-0687-481A-9761-11AB8A79722C}"/>
+                <a16:creationId xmlns="" xmlns:a16="http://schemas.microsoft.com/office/drawing/2014/main" id="{65AC8F6D-0687-481A-9761-11AB8A79722C}"/>
               </a:ext>
             </a:extLst>
           </p:cNvPr>
@@ -5577,7 +5577,7 @@
             <a:pPr rtl="0"/>
             <a:fld id="{381F0E8B-8940-47D9-9BB8-889EA4A78616}" type="datetime8">
               <a:rPr lang="fr-FR" noProof="0" smtClean="0"/>
-              <a:t>24/10/2023 06:50</a:t>
+              <a:t>24/10/2023 10:23</a:t>
             </a:fld>
             <a:endParaRPr lang="fr-FR" noProof="0"/>
           </a:p>
@@ -5615,7 +5615,7 @@
           <p:cNvPr id="8" name="Espace réservé du contenu 7">
             <a:extLst>
               <a:ext uri="{FF2B5EF4-FFF2-40B4-BE49-F238E27FC236}">
-                <a16:creationId xmlns:a16="http://schemas.microsoft.com/office/drawing/2014/main" xmlns="" id="{CEFBAD01-7A3E-42FB-9A1E-EAF5F97616A8}"/>
+                <a16:creationId xmlns="" xmlns:a16="http://schemas.microsoft.com/office/drawing/2014/main" id="{CEFBAD01-7A3E-42FB-9A1E-EAF5F97616A8}"/>
               </a:ext>
             </a:extLst>
           </p:cNvPr>
@@ -5649,7 +5649,7 @@
           <p:cNvPr id="14" name="Forme libre 6" title="Forme numéro de page">
             <a:extLst>
               <a:ext uri="{FF2B5EF4-FFF2-40B4-BE49-F238E27FC236}">
-                <a16:creationId xmlns:a16="http://schemas.microsoft.com/office/drawing/2014/main" xmlns="" id="{0370AA61-B230-4320-8591-17B9EA527174}"/>
+                <a16:creationId xmlns="" xmlns:a16="http://schemas.microsoft.com/office/drawing/2014/main" id="{0370AA61-B230-4320-8591-17B9EA527174}"/>
               </a:ext>
             </a:extLst>
           </p:cNvPr>
@@ -5885,7 +5885,7 @@
           <p:cNvPr id="16" name="Espace réservé du contenu 7">
             <a:extLst>
               <a:ext uri="{FF2B5EF4-FFF2-40B4-BE49-F238E27FC236}">
-                <a16:creationId xmlns:a16="http://schemas.microsoft.com/office/drawing/2014/main" xmlns="" id="{2A783413-0A31-4F6C-B545-866183ABB004}"/>
+                <a16:creationId xmlns="" xmlns:a16="http://schemas.microsoft.com/office/drawing/2014/main" id="{2A783413-0A31-4F6C-B545-866183ABB004}"/>
               </a:ext>
             </a:extLst>
           </p:cNvPr>
@@ -5919,7 +5919,7 @@
           <p:cNvPr id="3" name="Titre 2">
             <a:extLst>
               <a:ext uri="{FF2B5EF4-FFF2-40B4-BE49-F238E27FC236}">
-                <a16:creationId xmlns:a16="http://schemas.microsoft.com/office/drawing/2014/main" xmlns="" id="{8C4C76CE-242A-40DC-B9BA-9F6CD2FEBA09}"/>
+                <a16:creationId xmlns="" xmlns:a16="http://schemas.microsoft.com/office/drawing/2014/main" id="{8C4C76CE-242A-40DC-B9BA-9F6CD2FEBA09}"/>
               </a:ext>
             </a:extLst>
           </p:cNvPr>
@@ -6092,7 +6092,7 @@
             <a:pPr rtl="0"/>
             <a:fld id="{97F53525-B172-41E9-AC74-F2250E1FBCF7}" type="datetime8">
               <a:rPr lang="fr-FR" noProof="0" smtClean="0"/>
-              <a:t>24/10/2023 06:50</a:t>
+              <a:t>24/10/2023 10:23</a:t>
             </a:fld>
             <a:endParaRPr lang="fr-FR" noProof="0"/>
           </a:p>
@@ -6163,7 +6163,7 @@
           <p:cNvPr id="8" name="Espace réservé du contenu 7">
             <a:extLst>
               <a:ext uri="{FF2B5EF4-FFF2-40B4-BE49-F238E27FC236}">
-                <a16:creationId xmlns:a16="http://schemas.microsoft.com/office/drawing/2014/main" xmlns="" id="{CEFBAD01-7A3E-42FB-9A1E-EAF5F97616A8}"/>
+                <a16:creationId xmlns="" xmlns:a16="http://schemas.microsoft.com/office/drawing/2014/main" id="{CEFBAD01-7A3E-42FB-9A1E-EAF5F97616A8}"/>
               </a:ext>
             </a:extLst>
           </p:cNvPr>
@@ -6227,7 +6227,7 @@
           <p:cNvPr id="7" name="Rectangle 6">
             <a:extLst>
               <a:ext uri="{FF2B5EF4-FFF2-40B4-BE49-F238E27FC236}">
-                <a16:creationId xmlns:a16="http://schemas.microsoft.com/office/drawing/2014/main" xmlns="" id="{F4768376-ED37-468E-9A28-4A8C73222CFB}"/>
+                <a16:creationId xmlns="" xmlns:a16="http://schemas.microsoft.com/office/drawing/2014/main" id="{F4768376-ED37-468E-9A28-4A8C73222CFB}"/>
               </a:ext>
             </a:extLst>
           </p:cNvPr>
@@ -6292,7 +6292,7 @@
             <a:pPr rtl="0"/>
             <a:fld id="{F0677CA5-05F1-439F-904B-F59E71AD2563}" type="datetime8">
               <a:rPr lang="fr-FR" noProof="0" smtClean="0"/>
-              <a:t>24/10/2023 06:50</a:t>
+              <a:t>24/10/2023 10:23</a:t>
             </a:fld>
             <a:endParaRPr lang="fr-FR" noProof="0"/>
           </a:p>
@@ -6330,7 +6330,7 @@
           <p:cNvPr id="6" name="Espace réservé du contenu 12">
             <a:extLst>
               <a:ext uri="{FF2B5EF4-FFF2-40B4-BE49-F238E27FC236}">
-                <a16:creationId xmlns:a16="http://schemas.microsoft.com/office/drawing/2014/main" xmlns="" id="{DEDD3AEB-5731-4BFB-B455-2CAA76BB8C15}"/>
+                <a16:creationId xmlns="" xmlns:a16="http://schemas.microsoft.com/office/drawing/2014/main" id="{DEDD3AEB-5731-4BFB-B455-2CAA76BB8C15}"/>
               </a:ext>
             </a:extLst>
           </p:cNvPr>
@@ -6380,7 +6380,7 @@
           <p:cNvPr id="8" name="Forme libre 6" title="Forme numéro de page">
             <a:extLst>
               <a:ext uri="{FF2B5EF4-FFF2-40B4-BE49-F238E27FC236}">
-                <a16:creationId xmlns:a16="http://schemas.microsoft.com/office/drawing/2014/main" xmlns="" id="{F054F317-CFFE-48EF-91D4-872C9FE7043D}"/>
+                <a16:creationId xmlns="" xmlns:a16="http://schemas.microsoft.com/office/drawing/2014/main" id="{F054F317-CFFE-48EF-91D4-872C9FE7043D}"/>
               </a:ext>
             </a:extLst>
           </p:cNvPr>
@@ -6586,7 +6586,7 @@
           <p:cNvPr id="11" name="Titre 10">
             <a:extLst>
               <a:ext uri="{FF2B5EF4-FFF2-40B4-BE49-F238E27FC236}">
-                <a16:creationId xmlns:a16="http://schemas.microsoft.com/office/drawing/2014/main" xmlns="" id="{0D58896D-DB7B-49E4-87EC-67CEAB2EF53C}"/>
+                <a16:creationId xmlns="" xmlns:a16="http://schemas.microsoft.com/office/drawing/2014/main" id="{0D58896D-DB7B-49E4-87EC-67CEAB2EF53C}"/>
               </a:ext>
             </a:extLst>
           </p:cNvPr>
@@ -6794,7 +6794,7 @@
           <p:cNvPr id="9" name="Forme libre 6" title="Forme numéro de page">
             <a:extLst>
               <a:ext uri="{FF2B5EF4-FFF2-40B4-BE49-F238E27FC236}">
-                <a16:creationId xmlns:a16="http://schemas.microsoft.com/office/drawing/2014/main" xmlns="" id="{B162E9BD-1CEB-41D5-8DEB-7C5EDF3B01C3}"/>
+                <a16:creationId xmlns="" xmlns:a16="http://schemas.microsoft.com/office/drawing/2014/main" id="{B162E9BD-1CEB-41D5-8DEB-7C5EDF3B01C3}"/>
               </a:ext>
             </a:extLst>
           </p:cNvPr>
@@ -7124,7 +7124,7 @@
             <a:pPr rtl="0"/>
             <a:fld id="{80F46D76-CED8-4AF8-9073-371D4359DAEC}" type="datetime8">
               <a:rPr lang="fr-FR" noProof="0" smtClean="0"/>
-              <a:t>24/10/2023 06:50</a:t>
+              <a:t>24/10/2023 10:23</a:t>
             </a:fld>
             <a:endParaRPr lang="fr-FR" noProof="0"/>
           </a:p>
@@ -7645,7 +7645,7 @@
           <p:cNvPr id="5" name="Image 4">
             <a:extLst>
               <a:ext uri="{FF2B5EF4-FFF2-40B4-BE49-F238E27FC236}">
-                <a16:creationId xmlns:a16="http://schemas.microsoft.com/office/drawing/2014/main" xmlns="" id="{55999741-3CB0-4E9F-9B1F-47F7BDC2DBF8}"/>
+                <a16:creationId xmlns="" xmlns:a16="http://schemas.microsoft.com/office/drawing/2014/main" id="{55999741-3CB0-4E9F-9B1F-47F7BDC2DBF8}"/>
               </a:ext>
             </a:extLst>
           </p:cNvPr>
@@ -7690,7 +7690,7 @@
           <p:cNvPr id="2" name="Titre 1">
             <a:extLst>
               <a:ext uri="{FF2B5EF4-FFF2-40B4-BE49-F238E27FC236}">
-                <a16:creationId xmlns:a16="http://schemas.microsoft.com/office/drawing/2014/main" xmlns="" id="{C478B3CD-9828-4280-95EC-5F9D73400FF8}"/>
+                <a16:creationId xmlns="" xmlns:a16="http://schemas.microsoft.com/office/drawing/2014/main" id="{C478B3CD-9828-4280-95EC-5F9D73400FF8}"/>
               </a:ext>
             </a:extLst>
           </p:cNvPr>
@@ -7741,7 +7741,7 @@
           <p:cNvPr id="3" name="Sous-titre 2">
             <a:extLst>
               <a:ext uri="{FF2B5EF4-FFF2-40B4-BE49-F238E27FC236}">
-                <a16:creationId xmlns:a16="http://schemas.microsoft.com/office/drawing/2014/main" xmlns="" id="{5A9A3178-CB65-4687-BC8A-DBB6F3C6EF12}"/>
+                <a16:creationId xmlns="" xmlns:a16="http://schemas.microsoft.com/office/drawing/2014/main" id="{5A9A3178-CB65-4687-BC8A-DBB6F3C6EF12}"/>
               </a:ext>
             </a:extLst>
           </p:cNvPr>
@@ -7805,16 +7805,7 @@
                 </a:solidFill>
                 <a:cs typeface="Segoe UI" panose="020B0502040204020203" pitchFamily="34" charset="0"/>
               </a:rPr>
-              <a:t>ABDUL </a:t>
-            </a:r>
-            <a:r>
-              <a:rPr lang="en-NZ" sz="3200" dirty="0" smtClean="0">
-                <a:solidFill>
-                  <a:schemeClr val="tx1"/>
-                </a:solidFill>
-                <a:cs typeface="Segoe UI" panose="020B0502040204020203" pitchFamily="34" charset="0"/>
-              </a:rPr>
-              <a:t>IDRISS</a:t>
+              <a:t>ABDUL IDRISS</a:t>
             </a:r>
             <a:endParaRPr lang="fr-FR" sz="3200" dirty="0">
               <a:solidFill>
@@ -7851,12 +7842,6 @@
               </a:rPr>
               <a:t>COORDINATOR:</a:t>
             </a:r>
-            <a:endParaRPr lang="en-NZ" sz="3200" dirty="0" smtClean="0">
-              <a:solidFill>
-                <a:schemeClr val="tx1"/>
-              </a:solidFill>
-              <a:cs typeface="Segoe UI" panose="020B0502040204020203" pitchFamily="34" charset="0"/>
-            </a:endParaRPr>
           </a:p>
           <a:p>
             <a:pPr rtl="0">
@@ -7887,10 +7872,10 @@
           <p:cNvPr id="6" name="Groupe 5" descr="élément décoratif">
             <a:extLst>
               <a:ext uri="{FF2B5EF4-FFF2-40B4-BE49-F238E27FC236}">
-                <a16:creationId xmlns:a16="http://schemas.microsoft.com/office/drawing/2014/main" xmlns="" id="{698C1723-6BE3-4292-90F2-43C7A22F5038}"/>
+                <a16:creationId xmlns="" xmlns:a16="http://schemas.microsoft.com/office/drawing/2014/main" id="{698C1723-6BE3-4292-90F2-43C7A22F5038}"/>
               </a:ext>
               <a:ext uri="{C183D7F6-B498-43B3-948B-1728B52AA6E4}">
-                <adec:decorative xmlns:adec="http://schemas.microsoft.com/office/drawing/2017/decorative" xmlns="" val="1"/>
+                <adec:decorative xmlns="" xmlns:adec="http://schemas.microsoft.com/office/drawing/2017/decorative" val="1"/>
               </a:ext>
             </a:extLst>
           </p:cNvPr>
@@ -7910,7 +7895,7 @@
             <p:cNvPr id="7" name="Connecteur droit 6">
               <a:extLst>
                 <a:ext uri="{FF2B5EF4-FFF2-40B4-BE49-F238E27FC236}">
-                  <a16:creationId xmlns:a16="http://schemas.microsoft.com/office/drawing/2014/main" xmlns="" id="{EFF9A4E4-33FF-4BA5-9A1C-6E8B73621BEB}"/>
+                  <a16:creationId xmlns="" xmlns:a16="http://schemas.microsoft.com/office/drawing/2014/main" id="{EFF9A4E4-33FF-4BA5-9A1C-6E8B73621BEB}"/>
                 </a:ext>
               </a:extLst>
             </p:cNvPr>
@@ -7951,7 +7936,7 @@
             <p:cNvPr id="8" name="Connecteur droit 7">
               <a:extLst>
                 <a:ext uri="{FF2B5EF4-FFF2-40B4-BE49-F238E27FC236}">
-                  <a16:creationId xmlns:a16="http://schemas.microsoft.com/office/drawing/2014/main" xmlns="" id="{D9168D7F-9049-4135-9731-02DB8D3CD4C9}"/>
+                  <a16:creationId xmlns="" xmlns:a16="http://schemas.microsoft.com/office/drawing/2014/main" id="{D9168D7F-9049-4135-9731-02DB8D3CD4C9}"/>
                 </a:ext>
               </a:extLst>
             </p:cNvPr>
@@ -7992,7 +7977,7 @@
             <p:cNvPr id="9" name="Connecteur droit 8">
               <a:extLst>
                 <a:ext uri="{FF2B5EF4-FFF2-40B4-BE49-F238E27FC236}">
-                  <a16:creationId xmlns:a16="http://schemas.microsoft.com/office/drawing/2014/main" xmlns="" id="{0A19D412-8FFA-4958-A76C-EB9E1F690AD9}"/>
+                  <a16:creationId xmlns="" xmlns:a16="http://schemas.microsoft.com/office/drawing/2014/main" id="{0A19D412-8FFA-4958-A76C-EB9E1F690AD9}"/>
                 </a:ext>
               </a:extLst>
             </p:cNvPr>
@@ -8033,7 +8018,7 @@
             <p:cNvPr id="10" name="Connecteur droit 9">
               <a:extLst>
                 <a:ext uri="{FF2B5EF4-FFF2-40B4-BE49-F238E27FC236}">
-                  <a16:creationId xmlns:a16="http://schemas.microsoft.com/office/drawing/2014/main" xmlns="" id="{E85B0E36-8696-452F-958E-984FBF104D99}"/>
+                  <a16:creationId xmlns="" xmlns:a16="http://schemas.microsoft.com/office/drawing/2014/main" id="{E85B0E36-8696-452F-958E-984FBF104D99}"/>
                 </a:ext>
               </a:extLst>
             </p:cNvPr>
@@ -8074,7 +8059,7 @@
             <p:cNvPr id="11" name="Connecteur droit 10">
               <a:extLst>
                 <a:ext uri="{FF2B5EF4-FFF2-40B4-BE49-F238E27FC236}">
-                  <a16:creationId xmlns:a16="http://schemas.microsoft.com/office/drawing/2014/main" xmlns="" id="{D3F49821-5888-450B-ABA1-D4D7B73EC2AB}"/>
+                  <a16:creationId xmlns="" xmlns:a16="http://schemas.microsoft.com/office/drawing/2014/main" id="{D3F49821-5888-450B-ABA1-D4D7B73EC2AB}"/>
                 </a:ext>
               </a:extLst>
             </p:cNvPr>
@@ -8118,7 +8103,7 @@
           <p:cNvPr id="4" name="Espace réservé du numéro de diapositive 3" hidden="1">
             <a:extLst>
               <a:ext uri="{FF2B5EF4-FFF2-40B4-BE49-F238E27FC236}">
-                <a16:creationId xmlns:a16="http://schemas.microsoft.com/office/drawing/2014/main" xmlns="" id="{192D9B22-CA63-4CDB-8957-40947F45B732}"/>
+                <a16:creationId xmlns="" xmlns:a16="http://schemas.microsoft.com/office/drawing/2014/main" id="{192D9B22-CA63-4CDB-8957-40947F45B732}"/>
               </a:ext>
             </a:extLst>
           </p:cNvPr>
@@ -8185,7 +8170,7 @@
           <p:cNvPr id="2" name="Titre 1">
             <a:extLst>
               <a:ext uri="{FF2B5EF4-FFF2-40B4-BE49-F238E27FC236}">
-                <a16:creationId xmlns:a16="http://schemas.microsoft.com/office/drawing/2014/main" xmlns="" id="{810C46EC-1FC7-4065-BC98-F8A55E539322}"/>
+                <a16:creationId xmlns="" xmlns:a16="http://schemas.microsoft.com/office/drawing/2014/main" id="{810C46EC-1FC7-4065-BC98-F8A55E539322}"/>
               </a:ext>
             </a:extLst>
           </p:cNvPr>
@@ -8224,7 +8209,7 @@
           <p:cNvPr id="3" name="Espace réservé du contenu 2">
             <a:extLst>
               <a:ext uri="{FF2B5EF4-FFF2-40B4-BE49-F238E27FC236}">
-                <a16:creationId xmlns:a16="http://schemas.microsoft.com/office/drawing/2014/main" xmlns="" id="{8A851964-E2BB-4A8E-95FD-73EF52089F1C}"/>
+                <a16:creationId xmlns="" xmlns:a16="http://schemas.microsoft.com/office/drawing/2014/main" id="{8A851964-E2BB-4A8E-95FD-73EF52089F1C}"/>
               </a:ext>
             </a:extLst>
           </p:cNvPr>
@@ -8421,10 +8406,10 @@
           <p:cNvPr id="4" name="Rectangle : Coins arrondis 3" descr="élément décoratif">
             <a:extLst>
               <a:ext uri="{FF2B5EF4-FFF2-40B4-BE49-F238E27FC236}">
-                <a16:creationId xmlns:a16="http://schemas.microsoft.com/office/drawing/2014/main" xmlns="" id="{4040E108-43C3-4816-91FB-4F3FE893D470}"/>
+                <a16:creationId xmlns="" xmlns:a16="http://schemas.microsoft.com/office/drawing/2014/main" id="{4040E108-43C3-4816-91FB-4F3FE893D470}"/>
               </a:ext>
               <a:ext uri="{C183D7F6-B498-43B3-948B-1728B52AA6E4}">
-                <adec:decorative xmlns:adec="http://schemas.microsoft.com/office/drawing/2017/decorative" xmlns="" val="1"/>
+                <adec:decorative xmlns="" xmlns:adec="http://schemas.microsoft.com/office/drawing/2017/decorative" val="1"/>
               </a:ext>
             </a:extLst>
           </p:cNvPr>
@@ -8479,10 +8464,10 @@
           <p:cNvPr id="7" name="Ovale 6" descr="élément décoratif">
             <a:extLst>
               <a:ext uri="{FF2B5EF4-FFF2-40B4-BE49-F238E27FC236}">
-                <a16:creationId xmlns:a16="http://schemas.microsoft.com/office/drawing/2014/main" xmlns="" id="{2819A5BD-5ED6-420D-9845-C32F17256764}"/>
+                <a16:creationId xmlns="" xmlns:a16="http://schemas.microsoft.com/office/drawing/2014/main" id="{2819A5BD-5ED6-420D-9845-C32F17256764}"/>
               </a:ext>
               <a:ext uri="{C183D7F6-B498-43B3-948B-1728B52AA6E4}">
-                <adec:decorative xmlns:adec="http://schemas.microsoft.com/office/drawing/2017/decorative" xmlns="" val="1"/>
+                <adec:decorative xmlns="" xmlns:adec="http://schemas.microsoft.com/office/drawing/2017/decorative" val="1"/>
               </a:ext>
             </a:extLst>
           </p:cNvPr>
@@ -8556,7 +8541,7 @@
           <p:cNvPr id="8" name="Zone de texte 7" descr="élément décoratif">
             <a:extLst>
               <a:ext uri="{FF2B5EF4-FFF2-40B4-BE49-F238E27FC236}">
-                <a16:creationId xmlns:a16="http://schemas.microsoft.com/office/drawing/2014/main" xmlns="" id="{899BC040-0D5E-4E6E-8E95-6B710CABCAF8}"/>
+                <a16:creationId xmlns="" xmlns:a16="http://schemas.microsoft.com/office/drawing/2014/main" id="{899BC040-0D5E-4E6E-8E95-6B710CABCAF8}"/>
               </a:ext>
             </a:extLst>
           </p:cNvPr>
@@ -8598,10 +8583,10 @@
           <p:cNvPr id="9" name="Ovale 8" descr="élément décoratif">
             <a:extLst>
               <a:ext uri="{FF2B5EF4-FFF2-40B4-BE49-F238E27FC236}">
-                <a16:creationId xmlns:a16="http://schemas.microsoft.com/office/drawing/2014/main" xmlns="" id="{8D0D6914-3231-4EEA-BA0E-6EB9635E2C61}"/>
+                <a16:creationId xmlns="" xmlns:a16="http://schemas.microsoft.com/office/drawing/2014/main" id="{8D0D6914-3231-4EEA-BA0E-6EB9635E2C61}"/>
               </a:ext>
               <a:ext uri="{C183D7F6-B498-43B3-948B-1728B52AA6E4}">
-                <adec:decorative xmlns:adec="http://schemas.microsoft.com/office/drawing/2017/decorative" xmlns="" val="1"/>
+                <adec:decorative xmlns="" xmlns:adec="http://schemas.microsoft.com/office/drawing/2017/decorative" val="1"/>
               </a:ext>
             </a:extLst>
           </p:cNvPr>
@@ -8675,7 +8660,7 @@
           <p:cNvPr id="10" name="Zone de texte 9" descr="élément décoratif">
             <a:extLst>
               <a:ext uri="{FF2B5EF4-FFF2-40B4-BE49-F238E27FC236}">
-                <a16:creationId xmlns:a16="http://schemas.microsoft.com/office/drawing/2014/main" xmlns="" id="{DF6C2EE1-FB2F-4893-B2BE-552195DFE5F3}"/>
+                <a16:creationId xmlns="" xmlns:a16="http://schemas.microsoft.com/office/drawing/2014/main" id="{DF6C2EE1-FB2F-4893-B2BE-552195DFE5F3}"/>
               </a:ext>
             </a:extLst>
           </p:cNvPr>
@@ -8717,10 +8702,10 @@
           <p:cNvPr id="11" name="Ovale 10" descr="élément décoratif">
             <a:extLst>
               <a:ext uri="{FF2B5EF4-FFF2-40B4-BE49-F238E27FC236}">
-                <a16:creationId xmlns:a16="http://schemas.microsoft.com/office/drawing/2014/main" xmlns="" id="{C3A7A1F3-DF16-4906-AB99-7271A62BD36F}"/>
+                <a16:creationId xmlns="" xmlns:a16="http://schemas.microsoft.com/office/drawing/2014/main" id="{C3A7A1F3-DF16-4906-AB99-7271A62BD36F}"/>
               </a:ext>
               <a:ext uri="{C183D7F6-B498-43B3-948B-1728B52AA6E4}">
-                <adec:decorative xmlns:adec="http://schemas.microsoft.com/office/drawing/2017/decorative" xmlns="" val="1"/>
+                <adec:decorative xmlns="" xmlns:adec="http://schemas.microsoft.com/office/drawing/2017/decorative" val="1"/>
               </a:ext>
             </a:extLst>
           </p:cNvPr>
@@ -8794,7 +8779,7 @@
           <p:cNvPr id="12" name="Zone de texte 11" descr="élément décoratif">
             <a:extLst>
               <a:ext uri="{FF2B5EF4-FFF2-40B4-BE49-F238E27FC236}">
-                <a16:creationId xmlns:a16="http://schemas.microsoft.com/office/drawing/2014/main" xmlns="" id="{C8F3A396-1948-4D35-BEE9-CC6CB08D2788}"/>
+                <a16:creationId xmlns="" xmlns:a16="http://schemas.microsoft.com/office/drawing/2014/main" id="{C8F3A396-1948-4D35-BEE9-CC6CB08D2788}"/>
               </a:ext>
             </a:extLst>
           </p:cNvPr>
@@ -8836,10 +8821,10 @@
           <p:cNvPr id="13" name="Ovale 12" descr="élément décoratif">
             <a:extLst>
               <a:ext uri="{FF2B5EF4-FFF2-40B4-BE49-F238E27FC236}">
-                <a16:creationId xmlns:a16="http://schemas.microsoft.com/office/drawing/2014/main" xmlns="" id="{22B39FAF-E8F3-4DC0-85F2-0F3005FA850A}"/>
+                <a16:creationId xmlns="" xmlns:a16="http://schemas.microsoft.com/office/drawing/2014/main" id="{22B39FAF-E8F3-4DC0-85F2-0F3005FA850A}"/>
               </a:ext>
               <a:ext uri="{C183D7F6-B498-43B3-948B-1728B52AA6E4}">
-                <adec:decorative xmlns:adec="http://schemas.microsoft.com/office/drawing/2017/decorative" xmlns="" val="1"/>
+                <adec:decorative xmlns="" xmlns:adec="http://schemas.microsoft.com/office/drawing/2017/decorative" val="1"/>
               </a:ext>
             </a:extLst>
           </p:cNvPr>
@@ -8913,7 +8898,7 @@
           <p:cNvPr id="14" name="Zone de texte 13" descr="élément décoratif">
             <a:extLst>
               <a:ext uri="{FF2B5EF4-FFF2-40B4-BE49-F238E27FC236}">
-                <a16:creationId xmlns:a16="http://schemas.microsoft.com/office/drawing/2014/main" xmlns="" id="{D662B18B-C838-45CE-B43E-32C743E13974}"/>
+                <a16:creationId xmlns="" xmlns:a16="http://schemas.microsoft.com/office/drawing/2014/main" id="{D662B18B-C838-45CE-B43E-32C743E13974}"/>
               </a:ext>
             </a:extLst>
           </p:cNvPr>
@@ -8955,10 +8940,10 @@
           <p:cNvPr id="15" name="Ovale 14" descr="élément décoratif">
             <a:extLst>
               <a:ext uri="{FF2B5EF4-FFF2-40B4-BE49-F238E27FC236}">
-                <a16:creationId xmlns:a16="http://schemas.microsoft.com/office/drawing/2014/main" xmlns="" id="{FD075E26-5BF9-40ED-9945-45C65E2A447C}"/>
+                <a16:creationId xmlns="" xmlns:a16="http://schemas.microsoft.com/office/drawing/2014/main" id="{FD075E26-5BF9-40ED-9945-45C65E2A447C}"/>
               </a:ext>
               <a:ext uri="{C183D7F6-B498-43B3-948B-1728B52AA6E4}">
-                <adec:decorative xmlns:adec="http://schemas.microsoft.com/office/drawing/2017/decorative" xmlns="" val="1"/>
+                <adec:decorative xmlns="" xmlns:adec="http://schemas.microsoft.com/office/drawing/2017/decorative" val="1"/>
               </a:ext>
             </a:extLst>
           </p:cNvPr>
@@ -9032,7 +9017,7 @@
           <p:cNvPr id="16" name="Zone de texte 15" descr="élément décoratif">
             <a:extLst>
               <a:ext uri="{FF2B5EF4-FFF2-40B4-BE49-F238E27FC236}">
-                <a16:creationId xmlns:a16="http://schemas.microsoft.com/office/drawing/2014/main" xmlns="" id="{BB8F23EE-E31D-4666-AAD5-11B6D6D93B40}"/>
+                <a16:creationId xmlns="" xmlns:a16="http://schemas.microsoft.com/office/drawing/2014/main" id="{BB8F23EE-E31D-4666-AAD5-11B6D6D93B40}"/>
               </a:ext>
             </a:extLst>
           </p:cNvPr>
@@ -9074,10 +9059,10 @@
           <p:cNvPr id="17" name="Ovale 16" descr="élément décoratif">
             <a:extLst>
               <a:ext uri="{FF2B5EF4-FFF2-40B4-BE49-F238E27FC236}">
-                <a16:creationId xmlns:a16="http://schemas.microsoft.com/office/drawing/2014/main" xmlns="" id="{0DCD21D3-7FB6-4316-907B-8558B54F8706}"/>
+                <a16:creationId xmlns="" xmlns:a16="http://schemas.microsoft.com/office/drawing/2014/main" id="{0DCD21D3-7FB6-4316-907B-8558B54F8706}"/>
               </a:ext>
               <a:ext uri="{C183D7F6-B498-43B3-948B-1728B52AA6E4}">
-                <adec:decorative xmlns:adec="http://schemas.microsoft.com/office/drawing/2017/decorative" xmlns="" val="1"/>
+                <adec:decorative xmlns="" xmlns:adec="http://schemas.microsoft.com/office/drawing/2017/decorative" val="1"/>
               </a:ext>
             </a:extLst>
           </p:cNvPr>
@@ -9151,7 +9136,7 @@
           <p:cNvPr id="18" name="Zone de texte 17" descr="élément décoratif">
             <a:extLst>
               <a:ext uri="{FF2B5EF4-FFF2-40B4-BE49-F238E27FC236}">
-                <a16:creationId xmlns:a16="http://schemas.microsoft.com/office/drawing/2014/main" xmlns="" id="{D656F6A6-7C3C-4EF2-94D1-42D0DD1BD9F0}"/>
+                <a16:creationId xmlns="" xmlns:a16="http://schemas.microsoft.com/office/drawing/2014/main" id="{D656F6A6-7C3C-4EF2-94D1-42D0DD1BD9F0}"/>
               </a:ext>
             </a:extLst>
           </p:cNvPr>
@@ -9193,10 +9178,10 @@
           <p:cNvPr id="19" name="Ovale 18" descr="élément décoratif">
             <a:extLst>
               <a:ext uri="{FF2B5EF4-FFF2-40B4-BE49-F238E27FC236}">
-                <a16:creationId xmlns:a16="http://schemas.microsoft.com/office/drawing/2014/main" xmlns="" id="{0310B4FF-E37D-4C58-9094-B5F2AD6739E4}"/>
+                <a16:creationId xmlns="" xmlns:a16="http://schemas.microsoft.com/office/drawing/2014/main" id="{0310B4FF-E37D-4C58-9094-B5F2AD6739E4}"/>
               </a:ext>
               <a:ext uri="{C183D7F6-B498-43B3-948B-1728B52AA6E4}">
-                <adec:decorative xmlns:adec="http://schemas.microsoft.com/office/drawing/2017/decorative" xmlns="" val="1"/>
+                <adec:decorative xmlns="" xmlns:adec="http://schemas.microsoft.com/office/drawing/2017/decorative" val="1"/>
               </a:ext>
             </a:extLst>
           </p:cNvPr>
@@ -9270,7 +9255,7 @@
           <p:cNvPr id="20" name="Zone de texte 19" descr="élément décoratif">
             <a:extLst>
               <a:ext uri="{FF2B5EF4-FFF2-40B4-BE49-F238E27FC236}">
-                <a16:creationId xmlns:a16="http://schemas.microsoft.com/office/drawing/2014/main" xmlns="" id="{8F2CEA96-5D23-40F7-9C3C-6946B9D73DF7}"/>
+                <a16:creationId xmlns="" xmlns:a16="http://schemas.microsoft.com/office/drawing/2014/main" id="{8F2CEA96-5D23-40F7-9C3C-6946B9D73DF7}"/>
               </a:ext>
             </a:extLst>
           </p:cNvPr>
@@ -9402,7 +9387,7 @@
           <p:cNvPr id="2" name="Titre 1">
             <a:extLst>
               <a:ext uri="{FF2B5EF4-FFF2-40B4-BE49-F238E27FC236}">
-                <a16:creationId xmlns:a16="http://schemas.microsoft.com/office/drawing/2014/main" xmlns="" id="{E31859B8-20D7-4327-B945-9DB34BBA1DF7}"/>
+                <a16:creationId xmlns="" xmlns:a16="http://schemas.microsoft.com/office/drawing/2014/main" id="{E31859B8-20D7-4327-B945-9DB34BBA1DF7}"/>
               </a:ext>
             </a:extLst>
           </p:cNvPr>
@@ -9432,7 +9417,7 @@
           <p:cNvPr id="3" name="Espace réservé du contenu 2">
             <a:extLst>
               <a:ext uri="{FF2B5EF4-FFF2-40B4-BE49-F238E27FC236}">
-                <a16:creationId xmlns:a16="http://schemas.microsoft.com/office/drawing/2014/main" xmlns="" id="{07861C65-5310-42F3-BA62-63E7E01D96D2}"/>
+                <a16:creationId xmlns="" xmlns:a16="http://schemas.microsoft.com/office/drawing/2014/main" id="{07861C65-5310-42F3-BA62-63E7E01D96D2}"/>
               </a:ext>
             </a:extLst>
           </p:cNvPr>
@@ -9462,7 +9447,6 @@
               <a:rPr lang="en-NZ" sz="2200" dirty="0" smtClean="0"/>
               <a:t>Angular </a:t>
             </a:r>
-            <a:endParaRPr lang="en-NZ" sz="2200" dirty="0" smtClean="0"/>
           </a:p>
           <a:p>
             <a:pPr marL="0" lvl="0" indent="0" algn="ctr" rtl="0">
@@ -9470,11 +9454,7 @@
             </a:pPr>
             <a:r>
               <a:rPr lang="en-NZ" sz="2200" dirty="0" smtClean="0"/>
-              <a:t>Which </a:t>
-            </a:r>
-            <a:r>
-              <a:rPr lang="en-NZ" sz="2200" dirty="0" smtClean="0"/>
-              <a:t>is a </a:t>
+              <a:t>Which is a </a:t>
             </a:r>
             <a:r>
               <a:rPr lang="en-NZ" sz="2200" dirty="0" err="1" smtClean="0"/>
@@ -9493,7 +9473,7 @@
           <p:cNvPr id="4" name="Espace réservé du contenu 3">
             <a:extLst>
               <a:ext uri="{FF2B5EF4-FFF2-40B4-BE49-F238E27FC236}">
-                <a16:creationId xmlns:a16="http://schemas.microsoft.com/office/drawing/2014/main" xmlns="" id="{BE3B3829-6AFB-41B3-A1B4-EF5B1CE00020}"/>
+                <a16:creationId xmlns="" xmlns:a16="http://schemas.microsoft.com/office/drawing/2014/main" id="{BE3B3829-6AFB-41B3-A1B4-EF5B1CE00020}"/>
               </a:ext>
             </a:extLst>
           </p:cNvPr>
@@ -9550,7 +9530,7 @@
           <p:cNvPr id="5" name="Espace réservé du contenu 4">
             <a:extLst>
               <a:ext uri="{FF2B5EF4-FFF2-40B4-BE49-F238E27FC236}">
-                <a16:creationId xmlns:a16="http://schemas.microsoft.com/office/drawing/2014/main" xmlns="" id="{8E1F8476-CA40-4F5D-BFDF-703563EA67EC}"/>
+                <a16:creationId xmlns="" xmlns:a16="http://schemas.microsoft.com/office/drawing/2014/main" id="{8E1F8476-CA40-4F5D-BFDF-703563EA67EC}"/>
               </a:ext>
             </a:extLst>
           </p:cNvPr>
@@ -9598,10 +9578,10 @@
           <p:cNvPr id="6" name="Ovale 5" descr="élément décoratif">
             <a:extLst>
               <a:ext uri="{FF2B5EF4-FFF2-40B4-BE49-F238E27FC236}">
-                <a16:creationId xmlns:a16="http://schemas.microsoft.com/office/drawing/2014/main" xmlns="" id="{EBE5B2B2-0684-4BD8-9A66-EEE670977AEB}"/>
+                <a16:creationId xmlns="" xmlns:a16="http://schemas.microsoft.com/office/drawing/2014/main" id="{EBE5B2B2-0684-4BD8-9A66-EEE670977AEB}"/>
               </a:ext>
               <a:ext uri="{C183D7F6-B498-43B3-948B-1728B52AA6E4}">
-                <adec:decorative xmlns:adec="http://schemas.microsoft.com/office/drawing/2017/decorative" xmlns="" val="1"/>
+                <adec:decorative xmlns="" xmlns:adec="http://schemas.microsoft.com/office/drawing/2017/decorative" val="1"/>
               </a:ext>
             </a:extLst>
           </p:cNvPr>
@@ -9669,10 +9649,10 @@
           <p:cNvPr id="7" name="Ovale 6" descr="élément décoratif">
             <a:extLst>
               <a:ext uri="{FF2B5EF4-FFF2-40B4-BE49-F238E27FC236}">
-                <a16:creationId xmlns:a16="http://schemas.microsoft.com/office/drawing/2014/main" xmlns="" id="{498F9BDC-F173-4590-A94B-9747D4716722}"/>
+                <a16:creationId xmlns="" xmlns:a16="http://schemas.microsoft.com/office/drawing/2014/main" id="{498F9BDC-F173-4590-A94B-9747D4716722}"/>
               </a:ext>
               <a:ext uri="{C183D7F6-B498-43B3-948B-1728B52AA6E4}">
-                <adec:decorative xmlns:adec="http://schemas.microsoft.com/office/drawing/2017/decorative" xmlns="" val="1"/>
+                <adec:decorative xmlns="" xmlns:adec="http://schemas.microsoft.com/office/drawing/2017/decorative" val="1"/>
               </a:ext>
             </a:extLst>
           </p:cNvPr>
@@ -9740,10 +9720,10 @@
           <p:cNvPr id="8" name="Ovale 7" descr="élément décoratif">
             <a:extLst>
               <a:ext uri="{FF2B5EF4-FFF2-40B4-BE49-F238E27FC236}">
-                <a16:creationId xmlns:a16="http://schemas.microsoft.com/office/drawing/2014/main" xmlns="" id="{637BAB53-DA38-4DD5-9A3E-8152A042F2D9}"/>
+                <a16:creationId xmlns="" xmlns:a16="http://schemas.microsoft.com/office/drawing/2014/main" id="{637BAB53-DA38-4DD5-9A3E-8152A042F2D9}"/>
               </a:ext>
               <a:ext uri="{C183D7F6-B498-43B3-948B-1728B52AA6E4}">
-                <adec:decorative xmlns:adec="http://schemas.microsoft.com/office/drawing/2017/decorative" xmlns="" val="1"/>
+                <adec:decorative xmlns="" xmlns:adec="http://schemas.microsoft.com/office/drawing/2017/decorative" val="1"/>
               </a:ext>
             </a:extLst>
           </p:cNvPr>
@@ -9811,7 +9791,7 @@
           <p:cNvPr id="9" name="Zone de texte 8">
             <a:extLst>
               <a:ext uri="{FF2B5EF4-FFF2-40B4-BE49-F238E27FC236}">
-                <a16:creationId xmlns:a16="http://schemas.microsoft.com/office/drawing/2014/main" xmlns="" id="{2D142DF4-4EE3-4660-9BDC-D1E1707D98BC}"/>
+                <a16:creationId xmlns="" xmlns:a16="http://schemas.microsoft.com/office/drawing/2014/main" id="{2D142DF4-4EE3-4660-9BDC-D1E1707D98BC}"/>
               </a:ext>
             </a:extLst>
           </p:cNvPr>
@@ -9851,7 +9831,7 @@
           <p:cNvPr id="10" name="Zone de texte 9">
             <a:extLst>
               <a:ext uri="{FF2B5EF4-FFF2-40B4-BE49-F238E27FC236}">
-                <a16:creationId xmlns:a16="http://schemas.microsoft.com/office/drawing/2014/main" xmlns="" id="{C9124239-D4DF-4D00-AF5F-B08E7F4284D0}"/>
+                <a16:creationId xmlns="" xmlns:a16="http://schemas.microsoft.com/office/drawing/2014/main" id="{C9124239-D4DF-4D00-AF5F-B08E7F4284D0}"/>
               </a:ext>
             </a:extLst>
           </p:cNvPr>
@@ -9891,7 +9871,7 @@
           <p:cNvPr id="11" name="Zone de texte 10">
             <a:extLst>
               <a:ext uri="{FF2B5EF4-FFF2-40B4-BE49-F238E27FC236}">
-                <a16:creationId xmlns:a16="http://schemas.microsoft.com/office/drawing/2014/main" xmlns="" id="{FB4695A3-1853-4E49-84FD-FE5CBABEF961}"/>
+                <a16:creationId xmlns="" xmlns:a16="http://schemas.microsoft.com/office/drawing/2014/main" id="{FB4695A3-1853-4E49-84FD-FE5CBABEF961}"/>
               </a:ext>
             </a:extLst>
           </p:cNvPr>
@@ -9931,7 +9911,7 @@
           <p:cNvPr id="12" name="Espace réservé du numéro de diapositive 11">
             <a:extLst>
               <a:ext uri="{FF2B5EF4-FFF2-40B4-BE49-F238E27FC236}">
-                <a16:creationId xmlns:a16="http://schemas.microsoft.com/office/drawing/2014/main" xmlns="" id="{1DAC7997-6C29-4070-B4EB-6A172CDBCBDE}"/>
+                <a16:creationId xmlns="" xmlns:a16="http://schemas.microsoft.com/office/drawing/2014/main" id="{1DAC7997-6C29-4070-B4EB-6A172CDBCBDE}"/>
               </a:ext>
             </a:extLst>
           </p:cNvPr>
@@ -10004,10 +9984,10 @@
           <p:cNvPr id="15" name="Ovale 6" descr="élément décoratif">
             <a:extLst>
               <a:ext uri="{FF2B5EF4-FFF2-40B4-BE49-F238E27FC236}">
-                <a16:creationId xmlns:a16="http://schemas.microsoft.com/office/drawing/2014/main" xmlns="" id="{498F9BDC-F173-4590-A94B-9747D4716722}"/>
+                <a16:creationId xmlns="" xmlns:a16="http://schemas.microsoft.com/office/drawing/2014/main" id="{498F9BDC-F173-4590-A94B-9747D4716722}"/>
               </a:ext>
               <a:ext uri="{C183D7F6-B498-43B3-948B-1728B52AA6E4}">
-                <adec:decorative xmlns:adec="http://schemas.microsoft.com/office/drawing/2017/decorative" xmlns="" val="1"/>
+                <adec:decorative xmlns="" xmlns:adec="http://schemas.microsoft.com/office/drawing/2017/decorative" val="1"/>
               </a:ext>
             </a:extLst>
           </p:cNvPr>
@@ -10116,7 +10096,7 @@
           <p:cNvPr id="13" name="Zone de texte 12" descr="élément décoratif">
             <a:extLst>
               <a:ext uri="{FF2B5EF4-FFF2-40B4-BE49-F238E27FC236}">
-                <a16:creationId xmlns:a16="http://schemas.microsoft.com/office/drawing/2014/main" xmlns="" id="{4F0FB908-D139-41C0-A768-4CC591531971}"/>
+                <a16:creationId xmlns="" xmlns:a16="http://schemas.microsoft.com/office/drawing/2014/main" id="{4F0FB908-D139-41C0-A768-4CC591531971}"/>
               </a:ext>
             </a:extLst>
           </p:cNvPr>
@@ -10158,7 +10138,7 @@
           <p:cNvPr id="17" name="Zone de texte 16" descr="élément décoratif">
             <a:extLst>
               <a:ext uri="{FF2B5EF4-FFF2-40B4-BE49-F238E27FC236}">
-                <a16:creationId xmlns:a16="http://schemas.microsoft.com/office/drawing/2014/main" xmlns="" id="{2160777B-9AE2-48D8-A288-45695679DCD0}"/>
+                <a16:creationId xmlns="" xmlns:a16="http://schemas.microsoft.com/office/drawing/2014/main" id="{2160777B-9AE2-48D8-A288-45695679DCD0}"/>
               </a:ext>
             </a:extLst>
           </p:cNvPr>
@@ -10200,7 +10180,7 @@
           <p:cNvPr id="5" name="Espace réservé du numéro de diapositive 4">
             <a:extLst>
               <a:ext uri="{FF2B5EF4-FFF2-40B4-BE49-F238E27FC236}">
-                <a16:creationId xmlns:a16="http://schemas.microsoft.com/office/drawing/2014/main" xmlns="" id="{82372FC0-087E-4C53-82C7-1D7555E688EE}"/>
+                <a16:creationId xmlns="" xmlns:a16="http://schemas.microsoft.com/office/drawing/2014/main" id="{82372FC0-087E-4C53-82C7-1D7555E688EE}"/>
               </a:ext>
             </a:extLst>
           </p:cNvPr>
@@ -10297,7 +10277,7 @@
           <p:cNvPr id="5" name="Espace réservé du contenu 4">
             <a:extLst>
               <a:ext uri="{FF2B5EF4-FFF2-40B4-BE49-F238E27FC236}">
-                <a16:creationId xmlns:a16="http://schemas.microsoft.com/office/drawing/2014/main" xmlns="" id="{4F9F8A20-BC4A-4DA3-8C8F-EC5F43545093}"/>
+                <a16:creationId xmlns="" xmlns:a16="http://schemas.microsoft.com/office/drawing/2014/main" id="{4F9F8A20-BC4A-4DA3-8C8F-EC5F43545093}"/>
               </a:ext>
             </a:extLst>
           </p:cNvPr>
@@ -10348,7 +10328,7 @@
           <p:cNvPr id="9" name="Espace réservé du contenu 8">
             <a:extLst>
               <a:ext uri="{FF2B5EF4-FFF2-40B4-BE49-F238E27FC236}">
-                <a16:creationId xmlns:a16="http://schemas.microsoft.com/office/drawing/2014/main" xmlns="" id="{B13D9163-4861-465C-A2A4-AEAABF83136D}"/>
+                <a16:creationId xmlns="" xmlns:a16="http://schemas.microsoft.com/office/drawing/2014/main" id="{B13D9163-4861-465C-A2A4-AEAABF83136D}"/>
               </a:ext>
             </a:extLst>
           </p:cNvPr>
@@ -10405,7 +10385,7 @@
           <p:cNvPr id="4" name="Titre 3">
             <a:extLst>
               <a:ext uri="{FF2B5EF4-FFF2-40B4-BE49-F238E27FC236}">
-                <a16:creationId xmlns:a16="http://schemas.microsoft.com/office/drawing/2014/main" xmlns="" id="{8251FF9D-FA38-4BF2-834F-D115A5276A63}"/>
+                <a16:creationId xmlns="" xmlns:a16="http://schemas.microsoft.com/office/drawing/2014/main" id="{8251FF9D-FA38-4BF2-834F-D115A5276A63}"/>
               </a:ext>
             </a:extLst>
           </p:cNvPr>
@@ -10435,10 +10415,10 @@
           <p:cNvPr id="10" name="Ovale 9" descr="élément décoratif">
             <a:extLst>
               <a:ext uri="{FF2B5EF4-FFF2-40B4-BE49-F238E27FC236}">
-                <a16:creationId xmlns:a16="http://schemas.microsoft.com/office/drawing/2014/main" xmlns="" id="{2835AEFA-F289-46D0-BBE8-3BB779BF0569}"/>
+                <a16:creationId xmlns="" xmlns:a16="http://schemas.microsoft.com/office/drawing/2014/main" id="{2835AEFA-F289-46D0-BBE8-3BB779BF0569}"/>
               </a:ext>
               <a:ext uri="{C183D7F6-B498-43B3-948B-1728B52AA6E4}">
-                <adec:decorative xmlns:adec="http://schemas.microsoft.com/office/drawing/2017/decorative" xmlns="" val="1"/>
+                <adec:decorative xmlns="" xmlns:adec="http://schemas.microsoft.com/office/drawing/2017/decorative" val="1"/>
               </a:ext>
             </a:extLst>
           </p:cNvPr>
@@ -10508,10 +10488,10 @@
           <p:cNvPr id="11" name="Ovale 10" descr="élément décoratif">
             <a:extLst>
               <a:ext uri="{FF2B5EF4-FFF2-40B4-BE49-F238E27FC236}">
-                <a16:creationId xmlns:a16="http://schemas.microsoft.com/office/drawing/2014/main" xmlns="" id="{700C167E-2525-4786-B676-2BB45CCD99BA}"/>
+                <a16:creationId xmlns="" xmlns:a16="http://schemas.microsoft.com/office/drawing/2014/main" id="{700C167E-2525-4786-B676-2BB45CCD99BA}"/>
               </a:ext>
               <a:ext uri="{C183D7F6-B498-43B3-948B-1728B52AA6E4}">
-                <adec:decorative xmlns:adec="http://schemas.microsoft.com/office/drawing/2017/decorative" xmlns="" val="1"/>
+                <adec:decorative xmlns="" xmlns:adec="http://schemas.microsoft.com/office/drawing/2017/decorative" val="1"/>
               </a:ext>
             </a:extLst>
           </p:cNvPr>
@@ -10581,7 +10561,7 @@
           <p:cNvPr id="12" name="Zone de texte 11">
             <a:extLst>
               <a:ext uri="{FF2B5EF4-FFF2-40B4-BE49-F238E27FC236}">
-                <a16:creationId xmlns:a16="http://schemas.microsoft.com/office/drawing/2014/main" xmlns="" id="{E344D6B3-A5C3-45B7-BC39-889CA7ED1D34}"/>
+                <a16:creationId xmlns="" xmlns:a16="http://schemas.microsoft.com/office/drawing/2014/main" id="{E344D6B3-A5C3-45B7-BC39-889CA7ED1D34}"/>
               </a:ext>
             </a:extLst>
           </p:cNvPr>
@@ -10628,7 +10608,7 @@
           <p:cNvPr id="13" name="Zone de texte 12">
             <a:extLst>
               <a:ext uri="{FF2B5EF4-FFF2-40B4-BE49-F238E27FC236}">
-                <a16:creationId xmlns:a16="http://schemas.microsoft.com/office/drawing/2014/main" xmlns="" id="{CC656C5D-8989-43C6-972E-3DB66D9996AE}"/>
+                <a16:creationId xmlns="" xmlns:a16="http://schemas.microsoft.com/office/drawing/2014/main" id="{CC656C5D-8989-43C6-972E-3DB66D9996AE}"/>
               </a:ext>
             </a:extLst>
           </p:cNvPr>
@@ -10668,10 +10648,10 @@
           <p:cNvPr id="14" name="Rectangle : Coins arrondis 13" descr="élément décoratif">
             <a:extLst>
               <a:ext uri="{FF2B5EF4-FFF2-40B4-BE49-F238E27FC236}">
-                <a16:creationId xmlns:a16="http://schemas.microsoft.com/office/drawing/2014/main" xmlns="" id="{D44F82B2-998D-4DFD-AAB8-8D5E996F916F}"/>
+                <a16:creationId xmlns="" xmlns:a16="http://schemas.microsoft.com/office/drawing/2014/main" id="{D44F82B2-998D-4DFD-AAB8-8D5E996F916F}"/>
               </a:ext>
               <a:ext uri="{C183D7F6-B498-43B3-948B-1728B52AA6E4}">
-                <adec:decorative xmlns:adec="http://schemas.microsoft.com/office/drawing/2017/decorative" xmlns="" val="1"/>
+                <adec:decorative xmlns="" xmlns:adec="http://schemas.microsoft.com/office/drawing/2017/decorative" val="1"/>
               </a:ext>
             </a:extLst>
           </p:cNvPr>
@@ -10732,7 +10712,7 @@
           <p:cNvPr id="3" name="Graphique 2" descr="Alarme/Sirène">
             <a:extLst>
               <a:ext uri="{FF2B5EF4-FFF2-40B4-BE49-F238E27FC236}">
-                <a16:creationId xmlns:a16="http://schemas.microsoft.com/office/drawing/2014/main" xmlns="" id="{82E89ACE-2360-4F71-9604-7B9F9FA3EB1D}"/>
+                <a16:creationId xmlns="" xmlns:a16="http://schemas.microsoft.com/office/drawing/2014/main" id="{82E89ACE-2360-4F71-9604-7B9F9FA3EB1D}"/>
               </a:ext>
             </a:extLst>
           </p:cNvPr>
@@ -10745,7 +10725,7 @@
           <a:blip r:embed="rId3">
             <a:extLst>
               <a:ext uri="{96DAC541-7B7A-43D3-8B79-37D633B846F1}">
-                <asvg:svgBlip xmlns:asvg="http://schemas.microsoft.com/office/drawing/2016/SVG/main" xmlns="" r:embed="rId4"/>
+                <asvg:svgBlip xmlns="" xmlns:asvg="http://schemas.microsoft.com/office/drawing/2016/SVG/main" r:embed="rId4"/>
               </a:ext>
             </a:extLst>
           </a:blip>
@@ -10768,7 +10748,7 @@
           <p:cNvPr id="2" name="Espace réservé du numéro de diapositive 1">
             <a:extLst>
               <a:ext uri="{FF2B5EF4-FFF2-40B4-BE49-F238E27FC236}">
-                <a16:creationId xmlns:a16="http://schemas.microsoft.com/office/drawing/2014/main" xmlns="" id="{661E5BF8-B883-4420-9EA9-7E920E5D3C22}"/>
+                <a16:creationId xmlns="" xmlns:a16="http://schemas.microsoft.com/office/drawing/2014/main" id="{661E5BF8-B883-4420-9EA9-7E920E5D3C22}"/>
               </a:ext>
             </a:extLst>
           </p:cNvPr>
@@ -10844,10 +10824,10 @@
           <p:cNvPr id="15" name="Ovale 9" descr="élément décoratif">
             <a:extLst>
               <a:ext uri="{FF2B5EF4-FFF2-40B4-BE49-F238E27FC236}">
-                <a16:creationId xmlns:a16="http://schemas.microsoft.com/office/drawing/2014/main" xmlns="" id="{2835AEFA-F289-46D0-BBE8-3BB779BF0569}"/>
+                <a16:creationId xmlns="" xmlns:a16="http://schemas.microsoft.com/office/drawing/2014/main" id="{2835AEFA-F289-46D0-BBE8-3BB779BF0569}"/>
               </a:ext>
               <a:ext uri="{C183D7F6-B498-43B3-948B-1728B52AA6E4}">
-                <adec:decorative xmlns:adec="http://schemas.microsoft.com/office/drawing/2017/decorative" xmlns="" val="1"/>
+                <adec:decorative xmlns="" xmlns:adec="http://schemas.microsoft.com/office/drawing/2017/decorative" val="1"/>
               </a:ext>
             </a:extLst>
           </p:cNvPr>
@@ -10966,7 +10946,7 @@
           <p:cNvPr id="4" name="Titre 3">
             <a:extLst>
               <a:ext uri="{FF2B5EF4-FFF2-40B4-BE49-F238E27FC236}">
-                <a16:creationId xmlns:a16="http://schemas.microsoft.com/office/drawing/2014/main" xmlns="" id="{E98DCA46-603B-4178-8707-30E192CE6B8D}"/>
+                <a16:creationId xmlns="" xmlns:a16="http://schemas.microsoft.com/office/drawing/2014/main" id="{E98DCA46-603B-4178-8707-30E192CE6B8D}"/>
               </a:ext>
             </a:extLst>
           </p:cNvPr>
@@ -11062,15 +11042,7 @@
             </a:r>
             <a:r>
               <a:rPr lang="fr-FR" sz="3200" i="1" dirty="0" smtClean="0"/>
-              <a:t>and</a:t>
-            </a:r>
-            <a:r>
-              <a:rPr lang="fr-FR" sz="3200" i="1" dirty="0" smtClean="0"/>
-              <a:t> instructive</a:t>
-            </a:r>
-            <a:r>
-              <a:rPr lang="fr-FR" sz="3200" i="1" dirty="0" smtClean="0"/>
-              <a:t/>
+              <a:t>and instructive</a:t>
             </a:r>
             <a:br>
               <a:rPr lang="fr-FR" sz="3200" i="1" dirty="0" smtClean="0"/>
@@ -11108,15 +11080,23 @@
             </a:r>
             <a:r>
               <a:rPr lang="fr-FR" sz="3200" i="1" dirty="0" err="1" smtClean="0"/>
-              <a:t>amusing</a:t>
+              <a:t>amusin</a:t>
+            </a:r>
+            <a:r>
+              <a:rPr lang="fr-FR" sz="3200" i="1" dirty="0" err="1" smtClean="0"/>
+              <a:t>g,</a:t>
+            </a:r>
+            <a:r>
+              <a:rPr lang="fr-FR" sz="3200" i="1" dirty="0" err="1" smtClean="0"/>
+              <a:t>fun</a:t>
             </a:r>
             <a:r>
               <a:rPr lang="fr-FR" sz="3200" i="1" dirty="0" smtClean="0"/>
-              <a:t> and </a:t>
+              <a:t> </a:t>
             </a:r>
             <a:r>
               <a:rPr lang="fr-FR" sz="3200" i="1" dirty="0" smtClean="0"/>
-              <a:t>fun and </a:t>
+              <a:t>and </a:t>
             </a:r>
             <a:r>
               <a:rPr lang="fr-FR" sz="3200" i="1" dirty="0" err="1" smtClean="0"/>
@@ -11174,11 +11154,7 @@
             </a:r>
             <a:r>
               <a:rPr lang="fr-FR" sz="3200" i="1" dirty="0" smtClean="0"/>
-              <a:t> </a:t>
-            </a:r>
-            <a:r>
-              <a:rPr lang="fr-FR" sz="3200" i="1" dirty="0" smtClean="0"/>
-              <a:t>the future </a:t>
+              <a:t> the future </a:t>
             </a:r>
             <a:r>
               <a:rPr lang="fr-FR" sz="3200" i="1" dirty="0" err="1" smtClean="0"/>
@@ -11216,7 +11192,7 @@
             </a:r>
             <a:r>
               <a:rPr lang="fr-FR" sz="3200" i="1" dirty="0" err="1" smtClean="0"/>
-              <a:t>Coordinators</a:t>
+              <a:t>Coordinator</a:t>
             </a:r>
             <a:r>
               <a:rPr lang="fr-FR" sz="3200" i="1" dirty="0" smtClean="0"/>
@@ -11230,17 +11206,7 @@
                   </a:schemeClr>
                 </a:solidFill>
               </a:rPr>
-              <a:t>Mr </a:t>
-            </a:r>
-            <a:r>
-              <a:rPr lang="fr-FR" sz="3200" b="1" i="1" dirty="0" smtClean="0">
-                <a:solidFill>
-                  <a:schemeClr val="accent2">
-                    <a:lumMod val="75000"/>
-                  </a:schemeClr>
-                </a:solidFill>
-              </a:rPr>
-              <a:t>NJIFANDA ERIC </a:t>
+              <a:t>Mr NJIFANDA ERIC </a:t>
             </a:r>
             <a:r>
               <a:rPr lang="fr-FR" sz="3200" b="1" i="1" dirty="0" err="1" smtClean="0">
@@ -11338,7 +11304,7 @@
           <p:cNvPr id="2" name="Espace réservé du numéro de diapositive 1">
             <a:extLst>
               <a:ext uri="{FF2B5EF4-FFF2-40B4-BE49-F238E27FC236}">
-                <a16:creationId xmlns:a16="http://schemas.microsoft.com/office/drawing/2014/main" xmlns="" id="{DF632A65-4DB8-40F7-92EA-A338699FC860}"/>
+                <a16:creationId xmlns="" xmlns:a16="http://schemas.microsoft.com/office/drawing/2014/main" id="{DF632A65-4DB8-40F7-92EA-A338699FC860}"/>
               </a:ext>
             </a:extLst>
           </p:cNvPr>
@@ -12296,24 +12262,6 @@
 </file>
 
 <file path=customXml/item1.xml><?xml version="1.0" encoding="utf-8"?>
-<p:properties xmlns:p="http://schemas.microsoft.com/office/2006/metadata/properties" xmlns:xsi="http://www.w3.org/2001/XMLSchema-instance" xmlns:pc="http://schemas.microsoft.com/office/infopath/2007/PartnerControls">
-  <documentManagement>
-    <_ip_UnifiedCompliancePolicyUIAction xmlns="http://schemas.microsoft.com/sharepoint/v3" xsi:nil="true"/>
-    <_ip_UnifiedCompliancePolicyProperties xmlns="http://schemas.microsoft.com/sharepoint/v3" xsi:nil="true"/>
-  </documentManagement>
-</p:properties>
-</file>
-
-<file path=customXml/item2.xml><?xml version="1.0" encoding="utf-8"?>
-<?mso-contentType ?>
-<FormTemplates xmlns="http://schemas.microsoft.com/sharepoint/v3/contenttype/forms">
-  <Display>DocumentLibraryForm</Display>
-  <Edit>DocumentLibraryForm</Edit>
-  <New>DocumentLibraryForm</New>
-</FormTemplates>
-</file>
-
-<file path=customXml/item3.xml><?xml version="1.0" encoding="utf-8"?>
 <ct:contentTypeSchema xmlns:ct="http://schemas.microsoft.com/office/2006/metadata/contentType" xmlns:ma="http://schemas.microsoft.com/office/2006/metadata/properties/metaAttributes" ct:_="" ma:_="" ma:contentTypeName="Document" ma:contentTypeID="0x010100DEEA25CC0A0AC24199CDC46C25B8B0BC" ma:contentTypeVersion="10" ma:contentTypeDescription="Create a new document." ma:contentTypeScope="" ma:versionID="e3b47856d4cf355c0dacb39e1084d14f">
   <xsd:schema xmlns:xsd="http://www.w3.org/2001/XMLSchema" xmlns:xs="http://www.w3.org/2001/XMLSchema" xmlns:p="http://schemas.microsoft.com/office/2006/metadata/properties" xmlns:ns1="http://schemas.microsoft.com/sharepoint/v3" xmlns:ns2="6dc4bcd6-49db-4c07-9060-8acfc67cef9f" xmlns:ns3="fb0879af-3eba-417a-a55a-ffe6dcd6ca77" targetNamespace="http://schemas.microsoft.com/office/2006/metadata/properties" ma:root="true" ma:fieldsID="a845a615265fdb1f7b12cc65ac20ecbd" ns1:_="" ns2:_="" ns3:_="">
     <xsd:import namespace="http://schemas.microsoft.com/sharepoint/v3"/>
@@ -12521,33 +12469,25 @@
 </ct:contentTypeSchema>
 </file>
 
-<file path=customXml/itemProps1.xml><?xml version="1.0" encoding="utf-8"?>
-<ds:datastoreItem xmlns:ds="http://schemas.openxmlformats.org/officeDocument/2006/customXml" ds:itemID="{88C76B70-05A8-4DEE-8E00-4F383FBFCA23}">
-  <ds:schemaRefs>
-    <ds:schemaRef ds:uri="http://schemas.openxmlformats.org/package/2006/metadata/core-properties"/>
-    <ds:schemaRef ds:uri="6dc4bcd6-49db-4c07-9060-8acfc67cef9f"/>
-    <ds:schemaRef ds:uri="http://purl.org/dc/terms/"/>
-    <ds:schemaRef ds:uri="http://schemas.microsoft.com/office/infopath/2007/PartnerControls"/>
-    <ds:schemaRef ds:uri="http://purl.org/dc/dcmitype/"/>
-    <ds:schemaRef ds:uri="fb0879af-3eba-417a-a55a-ffe6dcd6ca77"/>
-    <ds:schemaRef ds:uri="http://schemas.microsoft.com/office/2006/documentManagement/types"/>
-    <ds:schemaRef ds:uri="http://schemas.microsoft.com/office/2006/metadata/properties"/>
-    <ds:schemaRef ds:uri="http://schemas.microsoft.com/sharepoint/v3"/>
-    <ds:schemaRef ds:uri="http://www.w3.org/XML/1998/namespace"/>
-    <ds:schemaRef ds:uri="http://purl.org/dc/elements/1.1/"/>
-  </ds:schemaRefs>
-</ds:datastoreItem>
+<file path=customXml/item2.xml><?xml version="1.0" encoding="utf-8"?>
+<?mso-contentType ?>
+<FormTemplates xmlns="http://schemas.microsoft.com/sharepoint/v3/contenttype/forms">
+  <Display>DocumentLibraryForm</Display>
+  <Edit>DocumentLibraryForm</Edit>
+  <New>DocumentLibraryForm</New>
+</FormTemplates>
 </file>
 
-<file path=customXml/itemProps2.xml><?xml version="1.0" encoding="utf-8"?>
-<ds:datastoreItem xmlns:ds="http://schemas.openxmlformats.org/officeDocument/2006/customXml" ds:itemID="{FE13AB06-BF88-4433-A0BD-F8B544C9B5C3}">
-  <ds:schemaRefs>
-    <ds:schemaRef ds:uri="http://schemas.microsoft.com/sharepoint/v3/contenttype/forms"/>
-  </ds:schemaRefs>
-</ds:datastoreItem>
+<file path=customXml/item3.xml><?xml version="1.0" encoding="utf-8"?>
+<p:properties xmlns:p="http://schemas.microsoft.com/office/2006/metadata/properties" xmlns:xsi="http://www.w3.org/2001/XMLSchema-instance" xmlns:pc="http://schemas.microsoft.com/office/infopath/2007/PartnerControls">
+  <documentManagement>
+    <_ip_UnifiedCompliancePolicyUIAction xmlns="http://schemas.microsoft.com/sharepoint/v3" xsi:nil="true"/>
+    <_ip_UnifiedCompliancePolicyProperties xmlns="http://schemas.microsoft.com/sharepoint/v3" xsi:nil="true"/>
+  </documentManagement>
+</p:properties>
 </file>
 
-<file path=customXml/itemProps3.xml><?xml version="1.0" encoding="utf-8"?>
+<file path=customXml/itemProps1.xml><?xml version="1.0" encoding="utf-8"?>
 <ds:datastoreItem xmlns:ds="http://schemas.openxmlformats.org/officeDocument/2006/customXml" ds:itemID="{2797F60B-DD54-48B5-A371-5DA4912C133C}">
   <ds:schemaRefs>
     <ds:schemaRef ds:uri="http://schemas.microsoft.com/office/2006/metadata/contentType"/>
@@ -12565,4 +12505,30 @@
     <ds:schemaRef ds:uri="http://schemas.microsoft.com/internal/obd"/>
   </ds:schemaRefs>
 </ds:datastoreItem>
+</file>
+
+<file path=customXml/itemProps2.xml><?xml version="1.0" encoding="utf-8"?>
+<ds:datastoreItem xmlns:ds="http://schemas.openxmlformats.org/officeDocument/2006/customXml" ds:itemID="{FE13AB06-BF88-4433-A0BD-F8B544C9B5C3}">
+  <ds:schemaRefs>
+    <ds:schemaRef ds:uri="http://schemas.microsoft.com/sharepoint/v3/contenttype/forms"/>
+  </ds:schemaRefs>
+</ds:datastoreItem>
+</file>
+
+<file path=customXml/itemProps3.xml><?xml version="1.0" encoding="utf-8"?>
+<ds:datastoreItem xmlns:ds="http://schemas.openxmlformats.org/officeDocument/2006/customXml" ds:itemID="{88C76B70-05A8-4DEE-8E00-4F383FBFCA23}">
+  <ds:schemaRefs>
+    <ds:schemaRef ds:uri="http://schemas.openxmlformats.org/package/2006/metadata/core-properties"/>
+    <ds:schemaRef ds:uri="6dc4bcd6-49db-4c07-9060-8acfc67cef9f"/>
+    <ds:schemaRef ds:uri="http://purl.org/dc/terms/"/>
+    <ds:schemaRef ds:uri="http://schemas.microsoft.com/office/infopath/2007/PartnerControls"/>
+    <ds:schemaRef ds:uri="http://purl.org/dc/dcmitype/"/>
+    <ds:schemaRef ds:uri="fb0879af-3eba-417a-a55a-ffe6dcd6ca77"/>
+    <ds:schemaRef ds:uri="http://schemas.microsoft.com/office/2006/documentManagement/types"/>
+    <ds:schemaRef ds:uri="http://schemas.microsoft.com/office/2006/metadata/properties"/>
+    <ds:schemaRef ds:uri="http://schemas.microsoft.com/sharepoint/v3"/>
+    <ds:schemaRef ds:uri="http://www.w3.org/XML/1998/namespace"/>
+    <ds:schemaRef ds:uri="http://purl.org/dc/elements/1.1/"/>
+  </ds:schemaRefs>
+</ds:datastoreItem>
 </file>
--- a/WELCOME TO OUR LIBRARY WEBSITRE PRESENTATION.pptx
+++ b/WELCOME TO OUR LIBRARY WEBSITRE PRESENTATION.pptx
@@ -1533,7 +1533,7 @@
             <a:pPr rtl="0"/>
             <a:fld id="{6D3EBF46-CD41-4ADB-98F7-060E46B263C6}" type="datetime8">
               <a:rPr lang="fr-FR" noProof="0" smtClean="0"/>
-              <a:t>24/10/2023 10:23</a:t>
+              <a:t>24/10/2023 11:14</a:t>
             </a:fld>
             <a:endParaRPr lang="fr-FR" noProof="0"/>
           </a:p>
@@ -1658,7 +1658,7 @@
           <p:cNvPr id="9" name="Rectangle 8">
             <a:extLst>
               <a:ext uri="{FF2B5EF4-FFF2-40B4-BE49-F238E27FC236}">
-                <a16:creationId xmlns="" xmlns:a16="http://schemas.microsoft.com/office/drawing/2014/main" id="{060054D9-7800-4106-9C2D-E383D9D6A16D}"/>
+                <a16:creationId xmlns:a16="http://schemas.microsoft.com/office/drawing/2014/main" xmlns="" id="{060054D9-7800-4106-9C2D-E383D9D6A16D}"/>
               </a:ext>
             </a:extLst>
           </p:cNvPr>
@@ -1717,7 +1717,7 @@
             <a:pPr rtl="0"/>
             <a:fld id="{4BE41DEA-C873-4694-9EB4-E2163039A5BA}" type="datetime8">
               <a:rPr lang="fr-FR" noProof="0" smtClean="0"/>
-              <a:t>24/10/2023 10:23</a:t>
+              <a:t>24/10/2023 11:14</a:t>
             </a:fld>
             <a:endParaRPr lang="fr-FR" noProof="0"/>
           </a:p>
@@ -1755,7 +1755,7 @@
           <p:cNvPr id="8" name="Espace réservé du contenu 7">
             <a:extLst>
               <a:ext uri="{FF2B5EF4-FFF2-40B4-BE49-F238E27FC236}">
-                <a16:creationId xmlns="" xmlns:a16="http://schemas.microsoft.com/office/drawing/2014/main" id="{CEFBAD01-7A3E-42FB-9A1E-EAF5F97616A8}"/>
+                <a16:creationId xmlns:a16="http://schemas.microsoft.com/office/drawing/2014/main" xmlns="" id="{CEFBAD01-7A3E-42FB-9A1E-EAF5F97616A8}"/>
               </a:ext>
             </a:extLst>
           </p:cNvPr>
@@ -1825,7 +1825,7 @@
           <p:cNvPr id="12" name="Forme libre 6" title="Forme numéro de page">
             <a:extLst>
               <a:ext uri="{FF2B5EF4-FFF2-40B4-BE49-F238E27FC236}">
-                <a16:creationId xmlns="" xmlns:a16="http://schemas.microsoft.com/office/drawing/2014/main" id="{B162E9BD-1CEB-41D5-8DEB-7C5EDF3B01C3}"/>
+                <a16:creationId xmlns:a16="http://schemas.microsoft.com/office/drawing/2014/main" xmlns="" id="{B162E9BD-1CEB-41D5-8DEB-7C5EDF3B01C3}"/>
               </a:ext>
             </a:extLst>
           </p:cNvPr>
@@ -2493,7 +2493,7 @@
             <a:pPr rtl="0"/>
             <a:fld id="{8178D8ED-EFE8-4267-9950-F10DA271B54F}" type="datetime8">
               <a:rPr lang="fr-FR" noProof="0" smtClean="0"/>
-              <a:t>24/10/2023 10:23</a:t>
+              <a:t>24/10/2023 11:14</a:t>
             </a:fld>
             <a:endParaRPr lang="fr-FR" noProof="0"/>
           </a:p>
@@ -2639,7 +2639,7 @@
             <a:pPr rtl="0"/>
             <a:fld id="{1C3CE951-4F20-4EE6-9B6D-994B00073A00}" type="datetime8">
               <a:rPr lang="fr-FR" noProof="0" smtClean="0"/>
-              <a:t>24/10/2023 10:23</a:t>
+              <a:t>24/10/2023 11:14</a:t>
             </a:fld>
             <a:endParaRPr lang="fr-FR" noProof="0"/>
           </a:p>
@@ -2710,7 +2710,7 @@
           <p:cNvPr id="10" name="Espace réservé du contenu 2">
             <a:extLst>
               <a:ext uri="{FF2B5EF4-FFF2-40B4-BE49-F238E27FC236}">
-                <a16:creationId xmlns="" xmlns:a16="http://schemas.microsoft.com/office/drawing/2014/main" id="{A1651A72-6E17-4CF4-8218-285FCAC88EC4}"/>
+                <a16:creationId xmlns:a16="http://schemas.microsoft.com/office/drawing/2014/main" xmlns="" id="{A1651A72-6E17-4CF4-8218-285FCAC88EC4}"/>
               </a:ext>
             </a:extLst>
           </p:cNvPr>
@@ -2772,7 +2772,7 @@
           <p:cNvPr id="11" name="Espace réservé du contenu 3">
             <a:extLst>
               <a:ext uri="{FF2B5EF4-FFF2-40B4-BE49-F238E27FC236}">
-                <a16:creationId xmlns="" xmlns:a16="http://schemas.microsoft.com/office/drawing/2014/main" id="{E2A31231-1080-4CC0-9896-EF779EE27CB5}"/>
+                <a16:creationId xmlns:a16="http://schemas.microsoft.com/office/drawing/2014/main" xmlns="" id="{E2A31231-1080-4CC0-9896-EF779EE27CB5}"/>
               </a:ext>
             </a:extLst>
           </p:cNvPr>
@@ -2909,7 +2909,7 @@
             <a:pPr rtl="0"/>
             <a:fld id="{D52693B5-F9F1-47A2-BB37-32DBFF2693F2}" type="datetime8">
               <a:rPr lang="fr-FR" noProof="0" smtClean="0"/>
-              <a:t>24/10/2023 10:23</a:t>
+              <a:t>24/10/2023 11:14</a:t>
             </a:fld>
             <a:endParaRPr lang="fr-FR" noProof="0"/>
           </a:p>
@@ -3023,7 +3023,7 @@
             <a:pPr rtl="0"/>
             <a:fld id="{3DE72FF1-A765-4D31-9636-07C7D25A1287}" type="datetime8">
               <a:rPr lang="fr-FR" noProof="0" smtClean="0"/>
-              <a:t>24/10/2023 10:23</a:t>
+              <a:t>24/10/2023 11:14</a:t>
             </a:fld>
             <a:endParaRPr lang="fr-FR" noProof="0"/>
           </a:p>
@@ -3341,7 +3341,7 @@
             <a:pPr rtl="0"/>
             <a:fld id="{2CB6CA28-FCA9-459C-8748-72526E2DB345}" type="datetime8">
               <a:rPr lang="fr-FR" noProof="0" smtClean="0"/>
-              <a:t>24/10/2023 10:23</a:t>
+              <a:t>24/10/2023 11:14</a:t>
             </a:fld>
             <a:endParaRPr lang="fr-FR" noProof="0"/>
           </a:p>
@@ -3560,7 +3560,7 @@
             <a:pPr rtl="0"/>
             <a:fld id="{0139D9DA-8A4D-4B84-B3D2-F242C6ED8F3D}" type="datetime8">
               <a:rPr lang="fr-FR" noProof="0" smtClean="0"/>
-              <a:t>24/10/2023 10:23</a:t>
+              <a:t>24/10/2023 11:14</a:t>
             </a:fld>
             <a:endParaRPr lang="fr-FR" noProof="0"/>
           </a:p>
@@ -3631,7 +3631,7 @@
           <p:cNvPr id="8" name="Espace réservé d’image 2">
             <a:extLst>
               <a:ext uri="{FF2B5EF4-FFF2-40B4-BE49-F238E27FC236}">
-                <a16:creationId xmlns="" xmlns:a16="http://schemas.microsoft.com/office/drawing/2014/main" id="{B3A5F786-D848-499D-B37D-96CF11DE90DB}"/>
+                <a16:creationId xmlns:a16="http://schemas.microsoft.com/office/drawing/2014/main" xmlns="" id="{B3A5F786-D848-499D-B37D-96CF11DE90DB}"/>
               </a:ext>
             </a:extLst>
           </p:cNvPr>
@@ -4081,7 +4081,7 @@
             <a:pPr rtl="0"/>
             <a:fld id="{743CD9F2-DBAA-49AD-89D4-1C914E14E772}" type="datetime8">
               <a:rPr lang="fr-FR" noProof="0" smtClean="0"/>
-              <a:t>24/10/2023 10:23</a:t>
+              <a:t>24/10/2023 11:14</a:t>
             </a:fld>
             <a:endParaRPr lang="fr-FR" noProof="0"/>
           </a:p>
@@ -4336,7 +4336,7 @@
             <a:pPr rtl="0"/>
             <a:fld id="{681B1AB1-E3C2-4125-8425-7FAC83FB5ECA}" type="datetime8">
               <a:rPr lang="fr-FR" noProof="0" smtClean="0"/>
-              <a:t>24/10/2023 10:23</a:t>
+              <a:t>24/10/2023 11:14</a:t>
             </a:fld>
             <a:endParaRPr lang="fr-FR" noProof="0"/>
           </a:p>
@@ -4534,7 +4534,7 @@
             <a:pPr rtl="0"/>
             <a:fld id="{175D5512-99FE-4317-896B-5A0A7DC990F7}" type="datetime8">
               <a:rPr lang="fr-FR" noProof="0" smtClean="0"/>
-              <a:t>24/10/2023 10:23</a:t>
+              <a:t>24/10/2023 11:14</a:t>
             </a:fld>
             <a:endParaRPr lang="fr-FR" noProof="0"/>
           </a:p>
@@ -4605,7 +4605,7 @@
           <p:cNvPr id="8" name="Espace réservé du contenu 7">
             <a:extLst>
               <a:ext uri="{FF2B5EF4-FFF2-40B4-BE49-F238E27FC236}">
-                <a16:creationId xmlns="" xmlns:a16="http://schemas.microsoft.com/office/drawing/2014/main" id="{CEFBAD01-7A3E-42FB-9A1E-EAF5F97616A8}"/>
+                <a16:creationId xmlns:a16="http://schemas.microsoft.com/office/drawing/2014/main" xmlns="" id="{CEFBAD01-7A3E-42FB-9A1E-EAF5F97616A8}"/>
               </a:ext>
             </a:extLst>
           </p:cNvPr>
@@ -4639,7 +4639,7 @@
           <p:cNvPr id="9" name="Espace réservé du contenu 7">
             <a:extLst>
               <a:ext uri="{FF2B5EF4-FFF2-40B4-BE49-F238E27FC236}">
-                <a16:creationId xmlns="" xmlns:a16="http://schemas.microsoft.com/office/drawing/2014/main" id="{E983FCBB-03A1-486A-BDE2-92BD88EA0FCF}"/>
+                <a16:creationId xmlns:a16="http://schemas.microsoft.com/office/drawing/2014/main" xmlns="" id="{E983FCBB-03A1-486A-BDE2-92BD88EA0FCF}"/>
               </a:ext>
             </a:extLst>
           </p:cNvPr>
@@ -4703,7 +4703,7 @@
           <p:cNvPr id="14" name="Rectangle 13">
             <a:extLst>
               <a:ext uri="{FF2B5EF4-FFF2-40B4-BE49-F238E27FC236}">
-                <a16:creationId xmlns="" xmlns:a16="http://schemas.microsoft.com/office/drawing/2014/main" id="{D3432B8B-A85D-47CE-98BC-3DF0B2F26AF4}"/>
+                <a16:creationId xmlns:a16="http://schemas.microsoft.com/office/drawing/2014/main" xmlns="" id="{D3432B8B-A85D-47CE-98BC-3DF0B2F26AF4}"/>
               </a:ext>
             </a:extLst>
           </p:cNvPr>
@@ -4854,7 +4854,7 @@
             <a:pPr rtl="0"/>
             <a:fld id="{7EA79B90-72EA-4F4E-9B3D-8CC28FB9A4AF}" type="datetime8">
               <a:rPr lang="fr-FR" noProof="0" smtClean="0"/>
-              <a:t>24/10/2023 10:23</a:t>
+              <a:t>24/10/2023 11:14</a:t>
             </a:fld>
             <a:endParaRPr lang="fr-FR" noProof="0"/>
           </a:p>
@@ -4955,7 +4955,7 @@
           <p:cNvPr id="9" name="Rectangle 8">
             <a:extLst>
               <a:ext uri="{FF2B5EF4-FFF2-40B4-BE49-F238E27FC236}">
-                <a16:creationId xmlns="" xmlns:a16="http://schemas.microsoft.com/office/drawing/2014/main" id="{65AC8F6D-0687-481A-9761-11AB8A79722C}"/>
+                <a16:creationId xmlns:a16="http://schemas.microsoft.com/office/drawing/2014/main" xmlns="" id="{65AC8F6D-0687-481A-9761-11AB8A79722C}"/>
               </a:ext>
             </a:extLst>
           </p:cNvPr>
@@ -5050,7 +5050,7 @@
             <a:pPr rtl="0"/>
             <a:fld id="{96D0804B-261F-4474-9FFB-B7B3BED9967F}" type="datetime8">
               <a:rPr lang="fr-FR" noProof="0" smtClean="0"/>
-              <a:t>24/10/2023 10:23</a:t>
+              <a:t>24/10/2023 11:14</a:t>
             </a:fld>
             <a:endParaRPr lang="fr-FR" noProof="0"/>
           </a:p>
@@ -5088,7 +5088,7 @@
           <p:cNvPr id="8" name="Espace réservé du contenu 7">
             <a:extLst>
               <a:ext uri="{FF2B5EF4-FFF2-40B4-BE49-F238E27FC236}">
-                <a16:creationId xmlns="" xmlns:a16="http://schemas.microsoft.com/office/drawing/2014/main" id="{CEFBAD01-7A3E-42FB-9A1E-EAF5F97616A8}"/>
+                <a16:creationId xmlns:a16="http://schemas.microsoft.com/office/drawing/2014/main" xmlns="" id="{CEFBAD01-7A3E-42FB-9A1E-EAF5F97616A8}"/>
               </a:ext>
             </a:extLst>
           </p:cNvPr>
@@ -5122,7 +5122,7 @@
           <p:cNvPr id="14" name="Forme libre 6" title="Forme numéro de page">
             <a:extLst>
               <a:ext uri="{FF2B5EF4-FFF2-40B4-BE49-F238E27FC236}">
-                <a16:creationId xmlns="" xmlns:a16="http://schemas.microsoft.com/office/drawing/2014/main" id="{0370AA61-B230-4320-8591-17B9EA527174}"/>
+                <a16:creationId xmlns:a16="http://schemas.microsoft.com/office/drawing/2014/main" xmlns="" id="{0370AA61-B230-4320-8591-17B9EA527174}"/>
               </a:ext>
             </a:extLst>
           </p:cNvPr>
@@ -5358,7 +5358,7 @@
           <p:cNvPr id="15" name="Espace réservé du contenu 7">
             <a:extLst>
               <a:ext uri="{FF2B5EF4-FFF2-40B4-BE49-F238E27FC236}">
-                <a16:creationId xmlns="" xmlns:a16="http://schemas.microsoft.com/office/drawing/2014/main" id="{AF3C3132-3E24-455C-9341-F3767C087D59}"/>
+                <a16:creationId xmlns:a16="http://schemas.microsoft.com/office/drawing/2014/main" xmlns="" id="{AF3C3132-3E24-455C-9341-F3767C087D59}"/>
               </a:ext>
             </a:extLst>
           </p:cNvPr>
@@ -5392,7 +5392,7 @@
           <p:cNvPr id="16" name="Espace réservé du contenu 7">
             <a:extLst>
               <a:ext uri="{FF2B5EF4-FFF2-40B4-BE49-F238E27FC236}">
-                <a16:creationId xmlns="" xmlns:a16="http://schemas.microsoft.com/office/drawing/2014/main" id="{2A783413-0A31-4F6C-B545-866183ABB004}"/>
+                <a16:creationId xmlns:a16="http://schemas.microsoft.com/office/drawing/2014/main" xmlns="" id="{2A783413-0A31-4F6C-B545-866183ABB004}"/>
               </a:ext>
             </a:extLst>
           </p:cNvPr>
@@ -5464,7 +5464,7 @@
           <p:cNvPr id="11" name="Rectangle 10">
             <a:extLst>
               <a:ext uri="{FF2B5EF4-FFF2-40B4-BE49-F238E27FC236}">
-                <a16:creationId xmlns="" xmlns:a16="http://schemas.microsoft.com/office/drawing/2014/main" id="{9C8E5ED0-7922-414F-9B0F-CA82F0A3C660}"/>
+                <a16:creationId xmlns:a16="http://schemas.microsoft.com/office/drawing/2014/main" xmlns="" id="{9C8E5ED0-7922-414F-9B0F-CA82F0A3C660}"/>
               </a:ext>
             </a:extLst>
           </p:cNvPr>
@@ -5513,7 +5513,7 @@
           <p:cNvPr id="9" name="Rectangle 8">
             <a:extLst>
               <a:ext uri="{FF2B5EF4-FFF2-40B4-BE49-F238E27FC236}">
-                <a16:creationId xmlns="" xmlns:a16="http://schemas.microsoft.com/office/drawing/2014/main" id="{65AC8F6D-0687-481A-9761-11AB8A79722C}"/>
+                <a16:creationId xmlns:a16="http://schemas.microsoft.com/office/drawing/2014/main" xmlns="" id="{65AC8F6D-0687-481A-9761-11AB8A79722C}"/>
               </a:ext>
             </a:extLst>
           </p:cNvPr>
@@ -5577,7 +5577,7 @@
             <a:pPr rtl="0"/>
             <a:fld id="{381F0E8B-8940-47D9-9BB8-889EA4A78616}" type="datetime8">
               <a:rPr lang="fr-FR" noProof="0" smtClean="0"/>
-              <a:t>24/10/2023 10:23</a:t>
+              <a:t>24/10/2023 11:14</a:t>
             </a:fld>
             <a:endParaRPr lang="fr-FR" noProof="0"/>
           </a:p>
@@ -5615,7 +5615,7 @@
           <p:cNvPr id="8" name="Espace réservé du contenu 7">
             <a:extLst>
               <a:ext uri="{FF2B5EF4-FFF2-40B4-BE49-F238E27FC236}">
-                <a16:creationId xmlns="" xmlns:a16="http://schemas.microsoft.com/office/drawing/2014/main" id="{CEFBAD01-7A3E-42FB-9A1E-EAF5F97616A8}"/>
+                <a16:creationId xmlns:a16="http://schemas.microsoft.com/office/drawing/2014/main" xmlns="" id="{CEFBAD01-7A3E-42FB-9A1E-EAF5F97616A8}"/>
               </a:ext>
             </a:extLst>
           </p:cNvPr>
@@ -5649,7 +5649,7 @@
           <p:cNvPr id="14" name="Forme libre 6" title="Forme numéro de page">
             <a:extLst>
               <a:ext uri="{FF2B5EF4-FFF2-40B4-BE49-F238E27FC236}">
-                <a16:creationId xmlns="" xmlns:a16="http://schemas.microsoft.com/office/drawing/2014/main" id="{0370AA61-B230-4320-8591-17B9EA527174}"/>
+                <a16:creationId xmlns:a16="http://schemas.microsoft.com/office/drawing/2014/main" xmlns="" id="{0370AA61-B230-4320-8591-17B9EA527174}"/>
               </a:ext>
             </a:extLst>
           </p:cNvPr>
@@ -5885,7 +5885,7 @@
           <p:cNvPr id="16" name="Espace réservé du contenu 7">
             <a:extLst>
               <a:ext uri="{FF2B5EF4-FFF2-40B4-BE49-F238E27FC236}">
-                <a16:creationId xmlns="" xmlns:a16="http://schemas.microsoft.com/office/drawing/2014/main" id="{2A783413-0A31-4F6C-B545-866183ABB004}"/>
+                <a16:creationId xmlns:a16="http://schemas.microsoft.com/office/drawing/2014/main" xmlns="" id="{2A783413-0A31-4F6C-B545-866183ABB004}"/>
               </a:ext>
             </a:extLst>
           </p:cNvPr>
@@ -5919,7 +5919,7 @@
           <p:cNvPr id="3" name="Titre 2">
             <a:extLst>
               <a:ext uri="{FF2B5EF4-FFF2-40B4-BE49-F238E27FC236}">
-                <a16:creationId xmlns="" xmlns:a16="http://schemas.microsoft.com/office/drawing/2014/main" id="{8C4C76CE-242A-40DC-B9BA-9F6CD2FEBA09}"/>
+                <a16:creationId xmlns:a16="http://schemas.microsoft.com/office/drawing/2014/main" xmlns="" id="{8C4C76CE-242A-40DC-B9BA-9F6CD2FEBA09}"/>
               </a:ext>
             </a:extLst>
           </p:cNvPr>
@@ -6092,7 +6092,7 @@
             <a:pPr rtl="0"/>
             <a:fld id="{97F53525-B172-41E9-AC74-F2250E1FBCF7}" type="datetime8">
               <a:rPr lang="fr-FR" noProof="0" smtClean="0"/>
-              <a:t>24/10/2023 10:23</a:t>
+              <a:t>24/10/2023 11:14</a:t>
             </a:fld>
             <a:endParaRPr lang="fr-FR" noProof="0"/>
           </a:p>
@@ -6163,7 +6163,7 @@
           <p:cNvPr id="8" name="Espace réservé du contenu 7">
             <a:extLst>
               <a:ext uri="{FF2B5EF4-FFF2-40B4-BE49-F238E27FC236}">
-                <a16:creationId xmlns="" xmlns:a16="http://schemas.microsoft.com/office/drawing/2014/main" id="{CEFBAD01-7A3E-42FB-9A1E-EAF5F97616A8}"/>
+                <a16:creationId xmlns:a16="http://schemas.microsoft.com/office/drawing/2014/main" xmlns="" id="{CEFBAD01-7A3E-42FB-9A1E-EAF5F97616A8}"/>
               </a:ext>
             </a:extLst>
           </p:cNvPr>
@@ -6227,7 +6227,7 @@
           <p:cNvPr id="7" name="Rectangle 6">
             <a:extLst>
               <a:ext uri="{FF2B5EF4-FFF2-40B4-BE49-F238E27FC236}">
-                <a16:creationId xmlns="" xmlns:a16="http://schemas.microsoft.com/office/drawing/2014/main" id="{F4768376-ED37-468E-9A28-4A8C73222CFB}"/>
+                <a16:creationId xmlns:a16="http://schemas.microsoft.com/office/drawing/2014/main" xmlns="" id="{F4768376-ED37-468E-9A28-4A8C73222CFB}"/>
               </a:ext>
             </a:extLst>
           </p:cNvPr>
@@ -6292,7 +6292,7 @@
             <a:pPr rtl="0"/>
             <a:fld id="{F0677CA5-05F1-439F-904B-F59E71AD2563}" type="datetime8">
               <a:rPr lang="fr-FR" noProof="0" smtClean="0"/>
-              <a:t>24/10/2023 10:23</a:t>
+              <a:t>24/10/2023 11:14</a:t>
             </a:fld>
             <a:endParaRPr lang="fr-FR" noProof="0"/>
           </a:p>
@@ -6330,7 +6330,7 @@
           <p:cNvPr id="6" name="Espace réservé du contenu 12">
             <a:extLst>
               <a:ext uri="{FF2B5EF4-FFF2-40B4-BE49-F238E27FC236}">
-                <a16:creationId xmlns="" xmlns:a16="http://schemas.microsoft.com/office/drawing/2014/main" id="{DEDD3AEB-5731-4BFB-B455-2CAA76BB8C15}"/>
+                <a16:creationId xmlns:a16="http://schemas.microsoft.com/office/drawing/2014/main" xmlns="" id="{DEDD3AEB-5731-4BFB-B455-2CAA76BB8C15}"/>
               </a:ext>
             </a:extLst>
           </p:cNvPr>
@@ -6380,7 +6380,7 @@
           <p:cNvPr id="8" name="Forme libre 6" title="Forme numéro de page">
             <a:extLst>
               <a:ext uri="{FF2B5EF4-FFF2-40B4-BE49-F238E27FC236}">
-                <a16:creationId xmlns="" xmlns:a16="http://schemas.microsoft.com/office/drawing/2014/main" id="{F054F317-CFFE-48EF-91D4-872C9FE7043D}"/>
+                <a16:creationId xmlns:a16="http://schemas.microsoft.com/office/drawing/2014/main" xmlns="" id="{F054F317-CFFE-48EF-91D4-872C9FE7043D}"/>
               </a:ext>
             </a:extLst>
           </p:cNvPr>
@@ -6586,7 +6586,7 @@
           <p:cNvPr id="11" name="Titre 10">
             <a:extLst>
               <a:ext uri="{FF2B5EF4-FFF2-40B4-BE49-F238E27FC236}">
-                <a16:creationId xmlns="" xmlns:a16="http://schemas.microsoft.com/office/drawing/2014/main" id="{0D58896D-DB7B-49E4-87EC-67CEAB2EF53C}"/>
+                <a16:creationId xmlns:a16="http://schemas.microsoft.com/office/drawing/2014/main" xmlns="" id="{0D58896D-DB7B-49E4-87EC-67CEAB2EF53C}"/>
               </a:ext>
             </a:extLst>
           </p:cNvPr>
@@ -6794,7 +6794,7 @@
           <p:cNvPr id="9" name="Forme libre 6" title="Forme numéro de page">
             <a:extLst>
               <a:ext uri="{FF2B5EF4-FFF2-40B4-BE49-F238E27FC236}">
-                <a16:creationId xmlns="" xmlns:a16="http://schemas.microsoft.com/office/drawing/2014/main" id="{B162E9BD-1CEB-41D5-8DEB-7C5EDF3B01C3}"/>
+                <a16:creationId xmlns:a16="http://schemas.microsoft.com/office/drawing/2014/main" xmlns="" id="{B162E9BD-1CEB-41D5-8DEB-7C5EDF3B01C3}"/>
               </a:ext>
             </a:extLst>
           </p:cNvPr>
@@ -7124,7 +7124,7 @@
             <a:pPr rtl="0"/>
             <a:fld id="{80F46D76-CED8-4AF8-9073-371D4359DAEC}" type="datetime8">
               <a:rPr lang="fr-FR" noProof="0" smtClean="0"/>
-              <a:t>24/10/2023 10:23</a:t>
+              <a:t>24/10/2023 11:14</a:t>
             </a:fld>
             <a:endParaRPr lang="fr-FR" noProof="0"/>
           </a:p>
@@ -7645,7 +7645,7 @@
           <p:cNvPr id="5" name="Image 4">
             <a:extLst>
               <a:ext uri="{FF2B5EF4-FFF2-40B4-BE49-F238E27FC236}">
-                <a16:creationId xmlns="" xmlns:a16="http://schemas.microsoft.com/office/drawing/2014/main" id="{55999741-3CB0-4E9F-9B1F-47F7BDC2DBF8}"/>
+                <a16:creationId xmlns:a16="http://schemas.microsoft.com/office/drawing/2014/main" xmlns="" id="{55999741-3CB0-4E9F-9B1F-47F7BDC2DBF8}"/>
               </a:ext>
             </a:extLst>
           </p:cNvPr>
@@ -7690,7 +7690,7 @@
           <p:cNvPr id="2" name="Titre 1">
             <a:extLst>
               <a:ext uri="{FF2B5EF4-FFF2-40B4-BE49-F238E27FC236}">
-                <a16:creationId xmlns="" xmlns:a16="http://schemas.microsoft.com/office/drawing/2014/main" id="{C478B3CD-9828-4280-95EC-5F9D73400FF8}"/>
+                <a16:creationId xmlns:a16="http://schemas.microsoft.com/office/drawing/2014/main" xmlns="" id="{C478B3CD-9828-4280-95EC-5F9D73400FF8}"/>
               </a:ext>
             </a:extLst>
           </p:cNvPr>
@@ -7741,7 +7741,7 @@
           <p:cNvPr id="3" name="Sous-titre 2">
             <a:extLst>
               <a:ext uri="{FF2B5EF4-FFF2-40B4-BE49-F238E27FC236}">
-                <a16:creationId xmlns="" xmlns:a16="http://schemas.microsoft.com/office/drawing/2014/main" id="{5A9A3178-CB65-4687-BC8A-DBB6F3C6EF12}"/>
+                <a16:creationId xmlns:a16="http://schemas.microsoft.com/office/drawing/2014/main" xmlns="" id="{5A9A3178-CB65-4687-BC8A-DBB6F3C6EF12}"/>
               </a:ext>
             </a:extLst>
           </p:cNvPr>
@@ -7760,7 +7760,7 @@
         </p:spPr>
         <p:txBody>
           <a:bodyPr rtlCol="0">
-            <a:normAutofit fontScale="77500" lnSpcReduction="20000"/>
+            <a:normAutofit fontScale="70000" lnSpcReduction="20000"/>
           </a:bodyPr>
           <a:lstStyle/>
           <a:p>
@@ -7856,7 +7856,32 @@
                 </a:solidFill>
                 <a:cs typeface="Segoe UI" panose="020B0502040204020203" pitchFamily="34" charset="0"/>
               </a:rPr>
-              <a:t>MR NJIFANDA ERIC</a:t>
+              <a:t>MR NJIFANDA </a:t>
+            </a:r>
+            <a:r>
+              <a:rPr lang="en-NZ" sz="3200" dirty="0" smtClean="0">
+                <a:solidFill>
+                  <a:schemeClr val="tx1"/>
+                </a:solidFill>
+                <a:cs typeface="Segoe UI" panose="020B0502040204020203" pitchFamily="34" charset="0"/>
+              </a:rPr>
+              <a:t>ERIC</a:t>
+            </a:r>
+          </a:p>
+          <a:p>
+            <a:pPr rtl="0">
+              <a:lnSpc>
+                <a:spcPct val="100000"/>
+              </a:lnSpc>
+            </a:pPr>
+            <a:r>
+              <a:rPr lang="en-NZ" sz="3200" smtClean="0">
+                <a:solidFill>
+                  <a:schemeClr val="tx1"/>
+                </a:solidFill>
+                <a:cs typeface="Segoe UI" panose="020B0502040204020203" pitchFamily="34" charset="0"/>
+              </a:rPr>
+              <a:t>MR MUA WALLACE</a:t>
             </a:r>
             <a:endParaRPr lang="fr-FR" sz="3200" dirty="0">
               <a:solidFill>
@@ -7872,10 +7897,10 @@
           <p:cNvPr id="6" name="Groupe 5" descr="élément décoratif">
             <a:extLst>
               <a:ext uri="{FF2B5EF4-FFF2-40B4-BE49-F238E27FC236}">
-                <a16:creationId xmlns="" xmlns:a16="http://schemas.microsoft.com/office/drawing/2014/main" id="{698C1723-6BE3-4292-90F2-43C7A22F5038}"/>
+                <a16:creationId xmlns:a16="http://schemas.microsoft.com/office/drawing/2014/main" xmlns="" id="{698C1723-6BE3-4292-90F2-43C7A22F5038}"/>
               </a:ext>
               <a:ext uri="{C183D7F6-B498-43B3-948B-1728B52AA6E4}">
-                <adec:decorative xmlns="" xmlns:adec="http://schemas.microsoft.com/office/drawing/2017/decorative" val="1"/>
+                <adec:decorative xmlns:adec="http://schemas.microsoft.com/office/drawing/2017/decorative" xmlns="" val="1"/>
               </a:ext>
             </a:extLst>
           </p:cNvPr>
@@ -7895,7 +7920,7 @@
             <p:cNvPr id="7" name="Connecteur droit 6">
               <a:extLst>
                 <a:ext uri="{FF2B5EF4-FFF2-40B4-BE49-F238E27FC236}">
-                  <a16:creationId xmlns="" xmlns:a16="http://schemas.microsoft.com/office/drawing/2014/main" id="{EFF9A4E4-33FF-4BA5-9A1C-6E8B73621BEB}"/>
+                  <a16:creationId xmlns:a16="http://schemas.microsoft.com/office/drawing/2014/main" xmlns="" id="{EFF9A4E4-33FF-4BA5-9A1C-6E8B73621BEB}"/>
                 </a:ext>
               </a:extLst>
             </p:cNvPr>
@@ -7936,7 +7961,7 @@
             <p:cNvPr id="8" name="Connecteur droit 7">
               <a:extLst>
                 <a:ext uri="{FF2B5EF4-FFF2-40B4-BE49-F238E27FC236}">
-                  <a16:creationId xmlns="" xmlns:a16="http://schemas.microsoft.com/office/drawing/2014/main" id="{D9168D7F-9049-4135-9731-02DB8D3CD4C9}"/>
+                  <a16:creationId xmlns:a16="http://schemas.microsoft.com/office/drawing/2014/main" xmlns="" id="{D9168D7F-9049-4135-9731-02DB8D3CD4C9}"/>
                 </a:ext>
               </a:extLst>
             </p:cNvPr>
@@ -7977,7 +8002,7 @@
             <p:cNvPr id="9" name="Connecteur droit 8">
               <a:extLst>
                 <a:ext uri="{FF2B5EF4-FFF2-40B4-BE49-F238E27FC236}">
-                  <a16:creationId xmlns="" xmlns:a16="http://schemas.microsoft.com/office/drawing/2014/main" id="{0A19D412-8FFA-4958-A76C-EB9E1F690AD9}"/>
+                  <a16:creationId xmlns:a16="http://schemas.microsoft.com/office/drawing/2014/main" xmlns="" id="{0A19D412-8FFA-4958-A76C-EB9E1F690AD9}"/>
                 </a:ext>
               </a:extLst>
             </p:cNvPr>
@@ -8018,7 +8043,7 @@
             <p:cNvPr id="10" name="Connecteur droit 9">
               <a:extLst>
                 <a:ext uri="{FF2B5EF4-FFF2-40B4-BE49-F238E27FC236}">
-                  <a16:creationId xmlns="" xmlns:a16="http://schemas.microsoft.com/office/drawing/2014/main" id="{E85B0E36-8696-452F-958E-984FBF104D99}"/>
+                  <a16:creationId xmlns:a16="http://schemas.microsoft.com/office/drawing/2014/main" xmlns="" id="{E85B0E36-8696-452F-958E-984FBF104D99}"/>
                 </a:ext>
               </a:extLst>
             </p:cNvPr>
@@ -8059,7 +8084,7 @@
             <p:cNvPr id="11" name="Connecteur droit 10">
               <a:extLst>
                 <a:ext uri="{FF2B5EF4-FFF2-40B4-BE49-F238E27FC236}">
-                  <a16:creationId xmlns="" xmlns:a16="http://schemas.microsoft.com/office/drawing/2014/main" id="{D3F49821-5888-450B-ABA1-D4D7B73EC2AB}"/>
+                  <a16:creationId xmlns:a16="http://schemas.microsoft.com/office/drawing/2014/main" xmlns="" id="{D3F49821-5888-450B-ABA1-D4D7B73EC2AB}"/>
                 </a:ext>
               </a:extLst>
             </p:cNvPr>
@@ -8103,7 +8128,7 @@
           <p:cNvPr id="4" name="Espace réservé du numéro de diapositive 3" hidden="1">
             <a:extLst>
               <a:ext uri="{FF2B5EF4-FFF2-40B4-BE49-F238E27FC236}">
-                <a16:creationId xmlns="" xmlns:a16="http://schemas.microsoft.com/office/drawing/2014/main" id="{192D9B22-CA63-4CDB-8957-40947F45B732}"/>
+                <a16:creationId xmlns:a16="http://schemas.microsoft.com/office/drawing/2014/main" xmlns="" id="{192D9B22-CA63-4CDB-8957-40947F45B732}"/>
               </a:ext>
             </a:extLst>
           </p:cNvPr>
@@ -8170,7 +8195,7 @@
           <p:cNvPr id="2" name="Titre 1">
             <a:extLst>
               <a:ext uri="{FF2B5EF4-FFF2-40B4-BE49-F238E27FC236}">
-                <a16:creationId xmlns="" xmlns:a16="http://schemas.microsoft.com/office/drawing/2014/main" id="{810C46EC-1FC7-4065-BC98-F8A55E539322}"/>
+                <a16:creationId xmlns:a16="http://schemas.microsoft.com/office/drawing/2014/main" xmlns="" id="{810C46EC-1FC7-4065-BC98-F8A55E539322}"/>
               </a:ext>
             </a:extLst>
           </p:cNvPr>
@@ -8209,7 +8234,7 @@
           <p:cNvPr id="3" name="Espace réservé du contenu 2">
             <a:extLst>
               <a:ext uri="{FF2B5EF4-FFF2-40B4-BE49-F238E27FC236}">
-                <a16:creationId xmlns="" xmlns:a16="http://schemas.microsoft.com/office/drawing/2014/main" id="{8A851964-E2BB-4A8E-95FD-73EF52089F1C}"/>
+                <a16:creationId xmlns:a16="http://schemas.microsoft.com/office/drawing/2014/main" xmlns="" id="{8A851964-E2BB-4A8E-95FD-73EF52089F1C}"/>
               </a:ext>
             </a:extLst>
           </p:cNvPr>
@@ -8406,10 +8431,10 @@
           <p:cNvPr id="4" name="Rectangle : Coins arrondis 3" descr="élément décoratif">
             <a:extLst>
               <a:ext uri="{FF2B5EF4-FFF2-40B4-BE49-F238E27FC236}">
-                <a16:creationId xmlns="" xmlns:a16="http://schemas.microsoft.com/office/drawing/2014/main" id="{4040E108-43C3-4816-91FB-4F3FE893D470}"/>
+                <a16:creationId xmlns:a16="http://schemas.microsoft.com/office/drawing/2014/main" xmlns="" id="{4040E108-43C3-4816-91FB-4F3FE893D470}"/>
               </a:ext>
               <a:ext uri="{C183D7F6-B498-43B3-948B-1728B52AA6E4}">
-                <adec:decorative xmlns="" xmlns:adec="http://schemas.microsoft.com/office/drawing/2017/decorative" val="1"/>
+                <adec:decorative xmlns:adec="http://schemas.microsoft.com/office/drawing/2017/decorative" xmlns="" val="1"/>
               </a:ext>
             </a:extLst>
           </p:cNvPr>
@@ -8464,10 +8489,10 @@
           <p:cNvPr id="7" name="Ovale 6" descr="élément décoratif">
             <a:extLst>
               <a:ext uri="{FF2B5EF4-FFF2-40B4-BE49-F238E27FC236}">
-                <a16:creationId xmlns="" xmlns:a16="http://schemas.microsoft.com/office/drawing/2014/main" id="{2819A5BD-5ED6-420D-9845-C32F17256764}"/>
+                <a16:creationId xmlns:a16="http://schemas.microsoft.com/office/drawing/2014/main" xmlns="" id="{2819A5BD-5ED6-420D-9845-C32F17256764}"/>
               </a:ext>
               <a:ext uri="{C183D7F6-B498-43B3-948B-1728B52AA6E4}">
-                <adec:decorative xmlns="" xmlns:adec="http://schemas.microsoft.com/office/drawing/2017/decorative" val="1"/>
+                <adec:decorative xmlns:adec="http://schemas.microsoft.com/office/drawing/2017/decorative" xmlns="" val="1"/>
               </a:ext>
             </a:extLst>
           </p:cNvPr>
@@ -8541,7 +8566,7 @@
           <p:cNvPr id="8" name="Zone de texte 7" descr="élément décoratif">
             <a:extLst>
               <a:ext uri="{FF2B5EF4-FFF2-40B4-BE49-F238E27FC236}">
-                <a16:creationId xmlns="" xmlns:a16="http://schemas.microsoft.com/office/drawing/2014/main" id="{899BC040-0D5E-4E6E-8E95-6B710CABCAF8}"/>
+                <a16:creationId xmlns:a16="http://schemas.microsoft.com/office/drawing/2014/main" xmlns="" id="{899BC040-0D5E-4E6E-8E95-6B710CABCAF8}"/>
               </a:ext>
             </a:extLst>
           </p:cNvPr>
@@ -8583,10 +8608,10 @@
           <p:cNvPr id="9" name="Ovale 8" descr="élément décoratif">
             <a:extLst>
               <a:ext uri="{FF2B5EF4-FFF2-40B4-BE49-F238E27FC236}">
-                <a16:creationId xmlns="" xmlns:a16="http://schemas.microsoft.com/office/drawing/2014/main" id="{8D0D6914-3231-4EEA-BA0E-6EB9635E2C61}"/>
+                <a16:creationId xmlns:a16="http://schemas.microsoft.com/office/drawing/2014/main" xmlns="" id="{8D0D6914-3231-4EEA-BA0E-6EB9635E2C61}"/>
               </a:ext>
               <a:ext uri="{C183D7F6-B498-43B3-948B-1728B52AA6E4}">
-                <adec:decorative xmlns="" xmlns:adec="http://schemas.microsoft.com/office/drawing/2017/decorative" val="1"/>
+                <adec:decorative xmlns:adec="http://schemas.microsoft.com/office/drawing/2017/decorative" xmlns="" val="1"/>
               </a:ext>
             </a:extLst>
           </p:cNvPr>
@@ -8660,7 +8685,7 @@
           <p:cNvPr id="10" name="Zone de texte 9" descr="élément décoratif">
             <a:extLst>
               <a:ext uri="{FF2B5EF4-FFF2-40B4-BE49-F238E27FC236}">
-                <a16:creationId xmlns="" xmlns:a16="http://schemas.microsoft.com/office/drawing/2014/main" id="{DF6C2EE1-FB2F-4893-B2BE-552195DFE5F3}"/>
+                <a16:creationId xmlns:a16="http://schemas.microsoft.com/office/drawing/2014/main" xmlns="" id="{DF6C2EE1-FB2F-4893-B2BE-552195DFE5F3}"/>
               </a:ext>
             </a:extLst>
           </p:cNvPr>
@@ -8702,10 +8727,10 @@
           <p:cNvPr id="11" name="Ovale 10" descr="élément décoratif">
             <a:extLst>
               <a:ext uri="{FF2B5EF4-FFF2-40B4-BE49-F238E27FC236}">
-                <a16:creationId xmlns="" xmlns:a16="http://schemas.microsoft.com/office/drawing/2014/main" id="{C3A7A1F3-DF16-4906-AB99-7271A62BD36F}"/>
+                <a16:creationId xmlns:a16="http://schemas.microsoft.com/office/drawing/2014/main" xmlns="" id="{C3A7A1F3-DF16-4906-AB99-7271A62BD36F}"/>
               </a:ext>
               <a:ext uri="{C183D7F6-B498-43B3-948B-1728B52AA6E4}">
-                <adec:decorative xmlns="" xmlns:adec="http://schemas.microsoft.com/office/drawing/2017/decorative" val="1"/>
+                <adec:decorative xmlns:adec="http://schemas.microsoft.com/office/drawing/2017/decorative" xmlns="" val="1"/>
               </a:ext>
             </a:extLst>
           </p:cNvPr>
@@ -8779,7 +8804,7 @@
           <p:cNvPr id="12" name="Zone de texte 11" descr="élément décoratif">
             <a:extLst>
               <a:ext uri="{FF2B5EF4-FFF2-40B4-BE49-F238E27FC236}">
-                <a16:creationId xmlns="" xmlns:a16="http://schemas.microsoft.com/office/drawing/2014/main" id="{C8F3A396-1948-4D35-BEE9-CC6CB08D2788}"/>
+                <a16:creationId xmlns:a16="http://schemas.microsoft.com/office/drawing/2014/main" xmlns="" id="{C8F3A396-1948-4D35-BEE9-CC6CB08D2788}"/>
               </a:ext>
             </a:extLst>
           </p:cNvPr>
@@ -8821,10 +8846,10 @@
           <p:cNvPr id="13" name="Ovale 12" descr="élément décoratif">
             <a:extLst>
               <a:ext uri="{FF2B5EF4-FFF2-40B4-BE49-F238E27FC236}">
-                <a16:creationId xmlns="" xmlns:a16="http://schemas.microsoft.com/office/drawing/2014/main" id="{22B39FAF-E8F3-4DC0-85F2-0F3005FA850A}"/>
+                <a16:creationId xmlns:a16="http://schemas.microsoft.com/office/drawing/2014/main" xmlns="" id="{22B39FAF-E8F3-4DC0-85F2-0F3005FA850A}"/>
               </a:ext>
               <a:ext uri="{C183D7F6-B498-43B3-948B-1728B52AA6E4}">
-                <adec:decorative xmlns="" xmlns:adec="http://schemas.microsoft.com/office/drawing/2017/decorative" val="1"/>
+                <adec:decorative xmlns:adec="http://schemas.microsoft.com/office/drawing/2017/decorative" xmlns="" val="1"/>
               </a:ext>
             </a:extLst>
           </p:cNvPr>
@@ -8898,7 +8923,7 @@
           <p:cNvPr id="14" name="Zone de texte 13" descr="élément décoratif">
             <a:extLst>
               <a:ext uri="{FF2B5EF4-FFF2-40B4-BE49-F238E27FC236}">
-                <a16:creationId xmlns="" xmlns:a16="http://schemas.microsoft.com/office/drawing/2014/main" id="{D662B18B-C838-45CE-B43E-32C743E13974}"/>
+                <a16:creationId xmlns:a16="http://schemas.microsoft.com/office/drawing/2014/main" xmlns="" id="{D662B18B-C838-45CE-B43E-32C743E13974}"/>
               </a:ext>
             </a:extLst>
           </p:cNvPr>
@@ -8940,10 +8965,10 @@
           <p:cNvPr id="15" name="Ovale 14" descr="élément décoratif">
             <a:extLst>
               <a:ext uri="{FF2B5EF4-FFF2-40B4-BE49-F238E27FC236}">
-                <a16:creationId xmlns="" xmlns:a16="http://schemas.microsoft.com/office/drawing/2014/main" id="{FD075E26-5BF9-40ED-9945-45C65E2A447C}"/>
+                <a16:creationId xmlns:a16="http://schemas.microsoft.com/office/drawing/2014/main" xmlns="" id="{FD075E26-5BF9-40ED-9945-45C65E2A447C}"/>
               </a:ext>
               <a:ext uri="{C183D7F6-B498-43B3-948B-1728B52AA6E4}">
-                <adec:decorative xmlns="" xmlns:adec="http://schemas.microsoft.com/office/drawing/2017/decorative" val="1"/>
+                <adec:decorative xmlns:adec="http://schemas.microsoft.com/office/drawing/2017/decorative" xmlns="" val="1"/>
               </a:ext>
             </a:extLst>
           </p:cNvPr>
@@ -9017,7 +9042,7 @@
           <p:cNvPr id="16" name="Zone de texte 15" descr="élément décoratif">
             <a:extLst>
               <a:ext uri="{FF2B5EF4-FFF2-40B4-BE49-F238E27FC236}">
-                <a16:creationId xmlns="" xmlns:a16="http://schemas.microsoft.com/office/drawing/2014/main" id="{BB8F23EE-E31D-4666-AAD5-11B6D6D93B40}"/>
+                <a16:creationId xmlns:a16="http://schemas.microsoft.com/office/drawing/2014/main" xmlns="" id="{BB8F23EE-E31D-4666-AAD5-11B6D6D93B40}"/>
               </a:ext>
             </a:extLst>
           </p:cNvPr>
@@ -9059,10 +9084,10 @@
           <p:cNvPr id="17" name="Ovale 16" descr="élément décoratif">
             <a:extLst>
               <a:ext uri="{FF2B5EF4-FFF2-40B4-BE49-F238E27FC236}">
-                <a16:creationId xmlns="" xmlns:a16="http://schemas.microsoft.com/office/drawing/2014/main" id="{0DCD21D3-7FB6-4316-907B-8558B54F8706}"/>
+                <a16:creationId xmlns:a16="http://schemas.microsoft.com/office/drawing/2014/main" xmlns="" id="{0DCD21D3-7FB6-4316-907B-8558B54F8706}"/>
               </a:ext>
               <a:ext uri="{C183D7F6-B498-43B3-948B-1728B52AA6E4}">
-                <adec:decorative xmlns="" xmlns:adec="http://schemas.microsoft.com/office/drawing/2017/decorative" val="1"/>
+                <adec:decorative xmlns:adec="http://schemas.microsoft.com/office/drawing/2017/decorative" xmlns="" val="1"/>
               </a:ext>
             </a:extLst>
           </p:cNvPr>
@@ -9136,7 +9161,7 @@
           <p:cNvPr id="18" name="Zone de texte 17" descr="élément décoratif">
             <a:extLst>
               <a:ext uri="{FF2B5EF4-FFF2-40B4-BE49-F238E27FC236}">
-                <a16:creationId xmlns="" xmlns:a16="http://schemas.microsoft.com/office/drawing/2014/main" id="{D656F6A6-7C3C-4EF2-94D1-42D0DD1BD9F0}"/>
+                <a16:creationId xmlns:a16="http://schemas.microsoft.com/office/drawing/2014/main" xmlns="" id="{D656F6A6-7C3C-4EF2-94D1-42D0DD1BD9F0}"/>
               </a:ext>
             </a:extLst>
           </p:cNvPr>
@@ -9178,10 +9203,10 @@
           <p:cNvPr id="19" name="Ovale 18" descr="élément décoratif">
             <a:extLst>
               <a:ext uri="{FF2B5EF4-FFF2-40B4-BE49-F238E27FC236}">
-                <a16:creationId xmlns="" xmlns:a16="http://schemas.microsoft.com/office/drawing/2014/main" id="{0310B4FF-E37D-4C58-9094-B5F2AD6739E4}"/>
+                <a16:creationId xmlns:a16="http://schemas.microsoft.com/office/drawing/2014/main" xmlns="" id="{0310B4FF-E37D-4C58-9094-B5F2AD6739E4}"/>
               </a:ext>
               <a:ext uri="{C183D7F6-B498-43B3-948B-1728B52AA6E4}">
-                <adec:decorative xmlns="" xmlns:adec="http://schemas.microsoft.com/office/drawing/2017/decorative" val="1"/>
+                <adec:decorative xmlns:adec="http://schemas.microsoft.com/office/drawing/2017/decorative" xmlns="" val="1"/>
               </a:ext>
             </a:extLst>
           </p:cNvPr>
@@ -9255,7 +9280,7 @@
           <p:cNvPr id="20" name="Zone de texte 19" descr="élément décoratif">
             <a:extLst>
               <a:ext uri="{FF2B5EF4-FFF2-40B4-BE49-F238E27FC236}">
-                <a16:creationId xmlns="" xmlns:a16="http://schemas.microsoft.com/office/drawing/2014/main" id="{8F2CEA96-5D23-40F7-9C3C-6946B9D73DF7}"/>
+                <a16:creationId xmlns:a16="http://schemas.microsoft.com/office/drawing/2014/main" xmlns="" id="{8F2CEA96-5D23-40F7-9C3C-6946B9D73DF7}"/>
               </a:ext>
             </a:extLst>
           </p:cNvPr>
@@ -9387,7 +9412,7 @@
           <p:cNvPr id="2" name="Titre 1">
             <a:extLst>
               <a:ext uri="{FF2B5EF4-FFF2-40B4-BE49-F238E27FC236}">
-                <a16:creationId xmlns="" xmlns:a16="http://schemas.microsoft.com/office/drawing/2014/main" id="{E31859B8-20D7-4327-B945-9DB34BBA1DF7}"/>
+                <a16:creationId xmlns:a16="http://schemas.microsoft.com/office/drawing/2014/main" xmlns="" id="{E31859B8-20D7-4327-B945-9DB34BBA1DF7}"/>
               </a:ext>
             </a:extLst>
           </p:cNvPr>
@@ -9417,7 +9442,7 @@
           <p:cNvPr id="3" name="Espace réservé du contenu 2">
             <a:extLst>
               <a:ext uri="{FF2B5EF4-FFF2-40B4-BE49-F238E27FC236}">
-                <a16:creationId xmlns="" xmlns:a16="http://schemas.microsoft.com/office/drawing/2014/main" id="{07861C65-5310-42F3-BA62-63E7E01D96D2}"/>
+                <a16:creationId xmlns:a16="http://schemas.microsoft.com/office/drawing/2014/main" xmlns="" id="{07861C65-5310-42F3-BA62-63E7E01D96D2}"/>
               </a:ext>
             </a:extLst>
           </p:cNvPr>
@@ -9473,7 +9498,7 @@
           <p:cNvPr id="4" name="Espace réservé du contenu 3">
             <a:extLst>
               <a:ext uri="{FF2B5EF4-FFF2-40B4-BE49-F238E27FC236}">
-                <a16:creationId xmlns="" xmlns:a16="http://schemas.microsoft.com/office/drawing/2014/main" id="{BE3B3829-6AFB-41B3-A1B4-EF5B1CE00020}"/>
+                <a16:creationId xmlns:a16="http://schemas.microsoft.com/office/drawing/2014/main" xmlns="" id="{BE3B3829-6AFB-41B3-A1B4-EF5B1CE00020}"/>
               </a:ext>
             </a:extLst>
           </p:cNvPr>
@@ -9530,7 +9555,7 @@
           <p:cNvPr id="5" name="Espace réservé du contenu 4">
             <a:extLst>
               <a:ext uri="{FF2B5EF4-FFF2-40B4-BE49-F238E27FC236}">
-                <a16:creationId xmlns="" xmlns:a16="http://schemas.microsoft.com/office/drawing/2014/main" id="{8E1F8476-CA40-4F5D-BFDF-703563EA67EC}"/>
+                <a16:creationId xmlns:a16="http://schemas.microsoft.com/office/drawing/2014/main" xmlns="" id="{8E1F8476-CA40-4F5D-BFDF-703563EA67EC}"/>
               </a:ext>
             </a:extLst>
           </p:cNvPr>
@@ -9578,10 +9603,10 @@
           <p:cNvPr id="6" name="Ovale 5" descr="élément décoratif">
             <a:extLst>
               <a:ext uri="{FF2B5EF4-FFF2-40B4-BE49-F238E27FC236}">
-                <a16:creationId xmlns="" xmlns:a16="http://schemas.microsoft.com/office/drawing/2014/main" id="{EBE5B2B2-0684-4BD8-9A66-EEE670977AEB}"/>
+                <a16:creationId xmlns:a16="http://schemas.microsoft.com/office/drawing/2014/main" xmlns="" id="{EBE5B2B2-0684-4BD8-9A66-EEE670977AEB}"/>
               </a:ext>
               <a:ext uri="{C183D7F6-B498-43B3-948B-1728B52AA6E4}">
-                <adec:decorative xmlns="" xmlns:adec="http://schemas.microsoft.com/office/drawing/2017/decorative" val="1"/>
+                <adec:decorative xmlns:adec="http://schemas.microsoft.com/office/drawing/2017/decorative" xmlns="" val="1"/>
               </a:ext>
             </a:extLst>
           </p:cNvPr>
@@ -9649,10 +9674,10 @@
           <p:cNvPr id="7" name="Ovale 6" descr="élément décoratif">
             <a:extLst>
               <a:ext uri="{FF2B5EF4-FFF2-40B4-BE49-F238E27FC236}">
-                <a16:creationId xmlns="" xmlns:a16="http://schemas.microsoft.com/office/drawing/2014/main" id="{498F9BDC-F173-4590-A94B-9747D4716722}"/>
+                <a16:creationId xmlns:a16="http://schemas.microsoft.com/office/drawing/2014/main" xmlns="" id="{498F9BDC-F173-4590-A94B-9747D4716722}"/>
               </a:ext>
               <a:ext uri="{C183D7F6-B498-43B3-948B-1728B52AA6E4}">
-                <adec:decorative xmlns="" xmlns:adec="http://schemas.microsoft.com/office/drawing/2017/decorative" val="1"/>
+                <adec:decorative xmlns:adec="http://schemas.microsoft.com/office/drawing/2017/decorative" xmlns="" val="1"/>
               </a:ext>
             </a:extLst>
           </p:cNvPr>
@@ -9720,10 +9745,10 @@
           <p:cNvPr id="8" name="Ovale 7" descr="élément décoratif">
             <a:extLst>
               <a:ext uri="{FF2B5EF4-FFF2-40B4-BE49-F238E27FC236}">
-                <a16:creationId xmlns="" xmlns:a16="http://schemas.microsoft.com/office/drawing/2014/main" id="{637BAB53-DA38-4DD5-9A3E-8152A042F2D9}"/>
+                <a16:creationId xmlns:a16="http://schemas.microsoft.com/office/drawing/2014/main" xmlns="" id="{637BAB53-DA38-4DD5-9A3E-8152A042F2D9}"/>
               </a:ext>
               <a:ext uri="{C183D7F6-B498-43B3-948B-1728B52AA6E4}">
-                <adec:decorative xmlns="" xmlns:adec="http://schemas.microsoft.com/office/drawing/2017/decorative" val="1"/>
+                <adec:decorative xmlns:adec="http://schemas.microsoft.com/office/drawing/2017/decorative" xmlns="" val="1"/>
               </a:ext>
             </a:extLst>
           </p:cNvPr>
@@ -9791,7 +9816,7 @@
           <p:cNvPr id="9" name="Zone de texte 8">
             <a:extLst>
               <a:ext uri="{FF2B5EF4-FFF2-40B4-BE49-F238E27FC236}">
-                <a16:creationId xmlns="" xmlns:a16="http://schemas.microsoft.com/office/drawing/2014/main" id="{2D142DF4-4EE3-4660-9BDC-D1E1707D98BC}"/>
+                <a16:creationId xmlns:a16="http://schemas.microsoft.com/office/drawing/2014/main" xmlns="" id="{2D142DF4-4EE3-4660-9BDC-D1E1707D98BC}"/>
               </a:ext>
             </a:extLst>
           </p:cNvPr>
@@ -9831,7 +9856,7 @@
           <p:cNvPr id="10" name="Zone de texte 9">
             <a:extLst>
               <a:ext uri="{FF2B5EF4-FFF2-40B4-BE49-F238E27FC236}">
-                <a16:creationId xmlns="" xmlns:a16="http://schemas.microsoft.com/office/drawing/2014/main" id="{C9124239-D4DF-4D00-AF5F-B08E7F4284D0}"/>
+                <a16:creationId xmlns:a16="http://schemas.microsoft.com/office/drawing/2014/main" xmlns="" id="{C9124239-D4DF-4D00-AF5F-B08E7F4284D0}"/>
               </a:ext>
             </a:extLst>
           </p:cNvPr>
@@ -9871,7 +9896,7 @@
           <p:cNvPr id="11" name="Zone de texte 10">
             <a:extLst>
               <a:ext uri="{FF2B5EF4-FFF2-40B4-BE49-F238E27FC236}">
-                <a16:creationId xmlns="" xmlns:a16="http://schemas.microsoft.com/office/drawing/2014/main" id="{FB4695A3-1853-4E49-84FD-FE5CBABEF961}"/>
+                <a16:creationId xmlns:a16="http://schemas.microsoft.com/office/drawing/2014/main" xmlns="" id="{FB4695A3-1853-4E49-84FD-FE5CBABEF961}"/>
               </a:ext>
             </a:extLst>
           </p:cNvPr>
@@ -9911,7 +9936,7 @@
           <p:cNvPr id="12" name="Espace réservé du numéro de diapositive 11">
             <a:extLst>
               <a:ext uri="{FF2B5EF4-FFF2-40B4-BE49-F238E27FC236}">
-                <a16:creationId xmlns="" xmlns:a16="http://schemas.microsoft.com/office/drawing/2014/main" id="{1DAC7997-6C29-4070-B4EB-6A172CDBCBDE}"/>
+                <a16:creationId xmlns:a16="http://schemas.microsoft.com/office/drawing/2014/main" xmlns="" id="{1DAC7997-6C29-4070-B4EB-6A172CDBCBDE}"/>
               </a:ext>
             </a:extLst>
           </p:cNvPr>
@@ -9984,10 +10009,10 @@
           <p:cNvPr id="15" name="Ovale 6" descr="élément décoratif">
             <a:extLst>
               <a:ext uri="{FF2B5EF4-FFF2-40B4-BE49-F238E27FC236}">
-                <a16:creationId xmlns="" xmlns:a16="http://schemas.microsoft.com/office/drawing/2014/main" id="{498F9BDC-F173-4590-A94B-9747D4716722}"/>
+                <a16:creationId xmlns:a16="http://schemas.microsoft.com/office/drawing/2014/main" xmlns="" id="{498F9BDC-F173-4590-A94B-9747D4716722}"/>
               </a:ext>
               <a:ext uri="{C183D7F6-B498-43B3-948B-1728B52AA6E4}">
-                <adec:decorative xmlns="" xmlns:adec="http://schemas.microsoft.com/office/drawing/2017/decorative" val="1"/>
+                <adec:decorative xmlns:adec="http://schemas.microsoft.com/office/drawing/2017/decorative" xmlns="" val="1"/>
               </a:ext>
             </a:extLst>
           </p:cNvPr>
@@ -10096,7 +10121,7 @@
           <p:cNvPr id="13" name="Zone de texte 12" descr="élément décoratif">
             <a:extLst>
               <a:ext uri="{FF2B5EF4-FFF2-40B4-BE49-F238E27FC236}">
-                <a16:creationId xmlns="" xmlns:a16="http://schemas.microsoft.com/office/drawing/2014/main" id="{4F0FB908-D139-41C0-A768-4CC591531971}"/>
+                <a16:creationId xmlns:a16="http://schemas.microsoft.com/office/drawing/2014/main" xmlns="" id="{4F0FB908-D139-41C0-A768-4CC591531971}"/>
               </a:ext>
             </a:extLst>
           </p:cNvPr>
@@ -10138,7 +10163,7 @@
           <p:cNvPr id="17" name="Zone de texte 16" descr="élément décoratif">
             <a:extLst>
               <a:ext uri="{FF2B5EF4-FFF2-40B4-BE49-F238E27FC236}">
-                <a16:creationId xmlns="" xmlns:a16="http://schemas.microsoft.com/office/drawing/2014/main" id="{2160777B-9AE2-48D8-A288-45695679DCD0}"/>
+                <a16:creationId xmlns:a16="http://schemas.microsoft.com/office/drawing/2014/main" xmlns="" id="{2160777B-9AE2-48D8-A288-45695679DCD0}"/>
               </a:ext>
             </a:extLst>
           </p:cNvPr>
@@ -10180,7 +10205,7 @@
           <p:cNvPr id="5" name="Espace réservé du numéro de diapositive 4">
             <a:extLst>
               <a:ext uri="{FF2B5EF4-FFF2-40B4-BE49-F238E27FC236}">
-                <a16:creationId xmlns="" xmlns:a16="http://schemas.microsoft.com/office/drawing/2014/main" id="{82372FC0-087E-4C53-82C7-1D7555E688EE}"/>
+                <a16:creationId xmlns:a16="http://schemas.microsoft.com/office/drawing/2014/main" xmlns="" id="{82372FC0-087E-4C53-82C7-1D7555E688EE}"/>
               </a:ext>
             </a:extLst>
           </p:cNvPr>
@@ -10277,7 +10302,7 @@
           <p:cNvPr id="5" name="Espace réservé du contenu 4">
             <a:extLst>
               <a:ext uri="{FF2B5EF4-FFF2-40B4-BE49-F238E27FC236}">
-                <a16:creationId xmlns="" xmlns:a16="http://schemas.microsoft.com/office/drawing/2014/main" id="{4F9F8A20-BC4A-4DA3-8C8F-EC5F43545093}"/>
+                <a16:creationId xmlns:a16="http://schemas.microsoft.com/office/drawing/2014/main" xmlns="" id="{4F9F8A20-BC4A-4DA3-8C8F-EC5F43545093}"/>
               </a:ext>
             </a:extLst>
           </p:cNvPr>
@@ -10328,7 +10353,7 @@
           <p:cNvPr id="9" name="Espace réservé du contenu 8">
             <a:extLst>
               <a:ext uri="{FF2B5EF4-FFF2-40B4-BE49-F238E27FC236}">
-                <a16:creationId xmlns="" xmlns:a16="http://schemas.microsoft.com/office/drawing/2014/main" id="{B13D9163-4861-465C-A2A4-AEAABF83136D}"/>
+                <a16:creationId xmlns:a16="http://schemas.microsoft.com/office/drawing/2014/main" xmlns="" id="{B13D9163-4861-465C-A2A4-AEAABF83136D}"/>
               </a:ext>
             </a:extLst>
           </p:cNvPr>
@@ -10385,7 +10410,7 @@
           <p:cNvPr id="4" name="Titre 3">
             <a:extLst>
               <a:ext uri="{FF2B5EF4-FFF2-40B4-BE49-F238E27FC236}">
-                <a16:creationId xmlns="" xmlns:a16="http://schemas.microsoft.com/office/drawing/2014/main" id="{8251FF9D-FA38-4BF2-834F-D115A5276A63}"/>
+                <a16:creationId xmlns:a16="http://schemas.microsoft.com/office/drawing/2014/main" xmlns="" id="{8251FF9D-FA38-4BF2-834F-D115A5276A63}"/>
               </a:ext>
             </a:extLst>
           </p:cNvPr>
@@ -10415,10 +10440,10 @@
           <p:cNvPr id="10" name="Ovale 9" descr="élément décoratif">
             <a:extLst>
               <a:ext uri="{FF2B5EF4-FFF2-40B4-BE49-F238E27FC236}">
-                <a16:creationId xmlns="" xmlns:a16="http://schemas.microsoft.com/office/drawing/2014/main" id="{2835AEFA-F289-46D0-BBE8-3BB779BF0569}"/>
+                <a16:creationId xmlns:a16="http://schemas.microsoft.com/office/drawing/2014/main" xmlns="" id="{2835AEFA-F289-46D0-BBE8-3BB779BF0569}"/>
               </a:ext>
               <a:ext uri="{C183D7F6-B498-43B3-948B-1728B52AA6E4}">
-                <adec:decorative xmlns="" xmlns:adec="http://schemas.microsoft.com/office/drawing/2017/decorative" val="1"/>
+                <adec:decorative xmlns:adec="http://schemas.microsoft.com/office/drawing/2017/decorative" xmlns="" val="1"/>
               </a:ext>
             </a:extLst>
           </p:cNvPr>
@@ -10488,10 +10513,10 @@
           <p:cNvPr id="11" name="Ovale 10" descr="élément décoratif">
             <a:extLst>
               <a:ext uri="{FF2B5EF4-FFF2-40B4-BE49-F238E27FC236}">
-                <a16:creationId xmlns="" xmlns:a16="http://schemas.microsoft.com/office/drawing/2014/main" id="{700C167E-2525-4786-B676-2BB45CCD99BA}"/>
+                <a16:creationId xmlns:a16="http://schemas.microsoft.com/office/drawing/2014/main" xmlns="" id="{700C167E-2525-4786-B676-2BB45CCD99BA}"/>
               </a:ext>
               <a:ext uri="{C183D7F6-B498-43B3-948B-1728B52AA6E4}">
-                <adec:decorative xmlns="" xmlns:adec="http://schemas.microsoft.com/office/drawing/2017/decorative" val="1"/>
+                <adec:decorative xmlns:adec="http://schemas.microsoft.com/office/drawing/2017/decorative" xmlns="" val="1"/>
               </a:ext>
             </a:extLst>
           </p:cNvPr>
@@ -10561,7 +10586,7 @@
           <p:cNvPr id="12" name="Zone de texte 11">
             <a:extLst>
               <a:ext uri="{FF2B5EF4-FFF2-40B4-BE49-F238E27FC236}">
-                <a16:creationId xmlns="" xmlns:a16="http://schemas.microsoft.com/office/drawing/2014/main" id="{E344D6B3-A5C3-45B7-BC39-889CA7ED1D34}"/>
+                <a16:creationId xmlns:a16="http://schemas.microsoft.com/office/drawing/2014/main" xmlns="" id="{E344D6B3-A5C3-45B7-BC39-889CA7ED1D34}"/>
               </a:ext>
             </a:extLst>
           </p:cNvPr>
@@ -10608,7 +10633,7 @@
           <p:cNvPr id="13" name="Zone de texte 12">
             <a:extLst>
               <a:ext uri="{FF2B5EF4-FFF2-40B4-BE49-F238E27FC236}">
-                <a16:creationId xmlns="" xmlns:a16="http://schemas.microsoft.com/office/drawing/2014/main" id="{CC656C5D-8989-43C6-972E-3DB66D9996AE}"/>
+                <a16:creationId xmlns:a16="http://schemas.microsoft.com/office/drawing/2014/main" xmlns="" id="{CC656C5D-8989-43C6-972E-3DB66D9996AE}"/>
               </a:ext>
             </a:extLst>
           </p:cNvPr>
@@ -10648,10 +10673,10 @@
           <p:cNvPr id="14" name="Rectangle : Coins arrondis 13" descr="élément décoratif">
             <a:extLst>
               <a:ext uri="{FF2B5EF4-FFF2-40B4-BE49-F238E27FC236}">
-                <a16:creationId xmlns="" xmlns:a16="http://schemas.microsoft.com/office/drawing/2014/main" id="{D44F82B2-998D-4DFD-AAB8-8D5E996F916F}"/>
+                <a16:creationId xmlns:a16="http://schemas.microsoft.com/office/drawing/2014/main" xmlns="" id="{D44F82B2-998D-4DFD-AAB8-8D5E996F916F}"/>
               </a:ext>
               <a:ext uri="{C183D7F6-B498-43B3-948B-1728B52AA6E4}">
-                <adec:decorative xmlns="" xmlns:adec="http://schemas.microsoft.com/office/drawing/2017/decorative" val="1"/>
+                <adec:decorative xmlns:adec="http://schemas.microsoft.com/office/drawing/2017/decorative" xmlns="" val="1"/>
               </a:ext>
             </a:extLst>
           </p:cNvPr>
@@ -10712,7 +10737,7 @@
           <p:cNvPr id="3" name="Graphique 2" descr="Alarme/Sirène">
             <a:extLst>
               <a:ext uri="{FF2B5EF4-FFF2-40B4-BE49-F238E27FC236}">
-                <a16:creationId xmlns="" xmlns:a16="http://schemas.microsoft.com/office/drawing/2014/main" id="{82E89ACE-2360-4F71-9604-7B9F9FA3EB1D}"/>
+                <a16:creationId xmlns:a16="http://schemas.microsoft.com/office/drawing/2014/main" xmlns="" id="{82E89ACE-2360-4F71-9604-7B9F9FA3EB1D}"/>
               </a:ext>
             </a:extLst>
           </p:cNvPr>
@@ -10725,7 +10750,7 @@
           <a:blip r:embed="rId3">
             <a:extLst>
               <a:ext uri="{96DAC541-7B7A-43D3-8B79-37D633B846F1}">
-                <asvg:svgBlip xmlns="" xmlns:asvg="http://schemas.microsoft.com/office/drawing/2016/SVG/main" r:embed="rId4"/>
+                <asvg:svgBlip xmlns:asvg="http://schemas.microsoft.com/office/drawing/2016/SVG/main" xmlns="" r:embed="rId4"/>
               </a:ext>
             </a:extLst>
           </a:blip>
@@ -10748,7 +10773,7 @@
           <p:cNvPr id="2" name="Espace réservé du numéro de diapositive 1">
             <a:extLst>
               <a:ext uri="{FF2B5EF4-FFF2-40B4-BE49-F238E27FC236}">
-                <a16:creationId xmlns="" xmlns:a16="http://schemas.microsoft.com/office/drawing/2014/main" id="{661E5BF8-B883-4420-9EA9-7E920E5D3C22}"/>
+                <a16:creationId xmlns:a16="http://schemas.microsoft.com/office/drawing/2014/main" xmlns="" id="{661E5BF8-B883-4420-9EA9-7E920E5D3C22}"/>
               </a:ext>
             </a:extLst>
           </p:cNvPr>
@@ -10824,10 +10849,10 @@
           <p:cNvPr id="15" name="Ovale 9" descr="élément décoratif">
             <a:extLst>
               <a:ext uri="{FF2B5EF4-FFF2-40B4-BE49-F238E27FC236}">
-                <a16:creationId xmlns="" xmlns:a16="http://schemas.microsoft.com/office/drawing/2014/main" id="{2835AEFA-F289-46D0-BBE8-3BB779BF0569}"/>
+                <a16:creationId xmlns:a16="http://schemas.microsoft.com/office/drawing/2014/main" xmlns="" id="{2835AEFA-F289-46D0-BBE8-3BB779BF0569}"/>
               </a:ext>
               <a:ext uri="{C183D7F6-B498-43B3-948B-1728B52AA6E4}">
-                <adec:decorative xmlns="" xmlns:adec="http://schemas.microsoft.com/office/drawing/2017/decorative" val="1"/>
+                <adec:decorative xmlns:adec="http://schemas.microsoft.com/office/drawing/2017/decorative" xmlns="" val="1"/>
               </a:ext>
             </a:extLst>
           </p:cNvPr>
@@ -10946,7 +10971,7 @@
           <p:cNvPr id="4" name="Titre 3">
             <a:extLst>
               <a:ext uri="{FF2B5EF4-FFF2-40B4-BE49-F238E27FC236}">
-                <a16:creationId xmlns="" xmlns:a16="http://schemas.microsoft.com/office/drawing/2014/main" id="{E98DCA46-603B-4178-8707-30E192CE6B8D}"/>
+                <a16:creationId xmlns:a16="http://schemas.microsoft.com/office/drawing/2014/main" xmlns="" id="{E98DCA46-603B-4178-8707-30E192CE6B8D}"/>
               </a:ext>
             </a:extLst>
           </p:cNvPr>
@@ -11080,23 +11105,11 @@
             </a:r>
             <a:r>
               <a:rPr lang="fr-FR" sz="3200" i="1" dirty="0" err="1" smtClean="0"/>
-              <a:t>amusin</a:t>
-            </a:r>
-            <a:r>
-              <a:rPr lang="fr-FR" sz="3200" i="1" dirty="0" err="1" smtClean="0"/>
-              <a:t>g,</a:t>
-            </a:r>
-            <a:r>
-              <a:rPr lang="fr-FR" sz="3200" i="1" dirty="0" err="1" smtClean="0"/>
-              <a:t>fun</a:t>
+              <a:t>amusing,fun</a:t>
             </a:r>
             <a:r>
               <a:rPr lang="fr-FR" sz="3200" i="1" dirty="0" smtClean="0"/>
-              <a:t> </a:t>
-            </a:r>
-            <a:r>
-              <a:rPr lang="fr-FR" sz="3200" i="1" dirty="0" smtClean="0"/>
-              <a:t>and </a:t>
+              <a:t> and </a:t>
             </a:r>
             <a:r>
               <a:rPr lang="fr-FR" sz="3200" i="1" dirty="0" err="1" smtClean="0"/>
@@ -11304,7 +11317,7 @@
           <p:cNvPr id="2" name="Espace réservé du numéro de diapositive 1">
             <a:extLst>
               <a:ext uri="{FF2B5EF4-FFF2-40B4-BE49-F238E27FC236}">
-                <a16:creationId xmlns="" xmlns:a16="http://schemas.microsoft.com/office/drawing/2014/main" id="{DF632A65-4DB8-40F7-92EA-A338699FC860}"/>
+                <a16:creationId xmlns:a16="http://schemas.microsoft.com/office/drawing/2014/main" xmlns="" id="{DF632A65-4DB8-40F7-92EA-A338699FC860}"/>
               </a:ext>
             </a:extLst>
           </p:cNvPr>
@@ -12262,6 +12275,24 @@
 </file>
 
 <file path=customXml/item1.xml><?xml version="1.0" encoding="utf-8"?>
+<p:properties xmlns:p="http://schemas.microsoft.com/office/2006/metadata/properties" xmlns:xsi="http://www.w3.org/2001/XMLSchema-instance" xmlns:pc="http://schemas.microsoft.com/office/infopath/2007/PartnerControls">
+  <documentManagement>
+    <_ip_UnifiedCompliancePolicyUIAction xmlns="http://schemas.microsoft.com/sharepoint/v3" xsi:nil="true"/>
+    <_ip_UnifiedCompliancePolicyProperties xmlns="http://schemas.microsoft.com/sharepoint/v3" xsi:nil="true"/>
+  </documentManagement>
+</p:properties>
+</file>
+
+<file path=customXml/item2.xml><?xml version="1.0" encoding="utf-8"?>
+<?mso-contentType ?>
+<FormTemplates xmlns="http://schemas.microsoft.com/sharepoint/v3/contenttype/forms">
+  <Display>DocumentLibraryForm</Display>
+  <Edit>DocumentLibraryForm</Edit>
+  <New>DocumentLibraryForm</New>
+</FormTemplates>
+</file>
+
+<file path=customXml/item3.xml><?xml version="1.0" encoding="utf-8"?>
 <ct:contentTypeSchema xmlns:ct="http://schemas.microsoft.com/office/2006/metadata/contentType" xmlns:ma="http://schemas.microsoft.com/office/2006/metadata/properties/metaAttributes" ct:_="" ma:_="" ma:contentTypeName="Document" ma:contentTypeID="0x010100DEEA25CC0A0AC24199CDC46C25B8B0BC" ma:contentTypeVersion="10" ma:contentTypeDescription="Create a new document." ma:contentTypeScope="" ma:versionID="e3b47856d4cf355c0dacb39e1084d14f">
   <xsd:schema xmlns:xsd="http://www.w3.org/2001/XMLSchema" xmlns:xs="http://www.w3.org/2001/XMLSchema" xmlns:p="http://schemas.microsoft.com/office/2006/metadata/properties" xmlns:ns1="http://schemas.microsoft.com/sharepoint/v3" xmlns:ns2="6dc4bcd6-49db-4c07-9060-8acfc67cef9f" xmlns:ns3="fb0879af-3eba-417a-a55a-ffe6dcd6ca77" targetNamespace="http://schemas.microsoft.com/office/2006/metadata/properties" ma:root="true" ma:fieldsID="a845a615265fdb1f7b12cc65ac20ecbd" ns1:_="" ns2:_="" ns3:_="">
     <xsd:import namespace="http://schemas.microsoft.com/sharepoint/v3"/>
@@ -12469,25 +12500,33 @@
 </ct:contentTypeSchema>
 </file>
 
-<file path=customXml/item2.xml><?xml version="1.0" encoding="utf-8"?>
-<?mso-contentType ?>
-<FormTemplates xmlns="http://schemas.microsoft.com/sharepoint/v3/contenttype/forms">
-  <Display>DocumentLibraryForm</Display>
-  <Edit>DocumentLibraryForm</Edit>
-  <New>DocumentLibraryForm</New>
-</FormTemplates>
+<file path=customXml/itemProps1.xml><?xml version="1.0" encoding="utf-8"?>
+<ds:datastoreItem xmlns:ds="http://schemas.openxmlformats.org/officeDocument/2006/customXml" ds:itemID="{88C76B70-05A8-4DEE-8E00-4F383FBFCA23}">
+  <ds:schemaRefs>
+    <ds:schemaRef ds:uri="http://schemas.openxmlformats.org/package/2006/metadata/core-properties"/>
+    <ds:schemaRef ds:uri="6dc4bcd6-49db-4c07-9060-8acfc67cef9f"/>
+    <ds:schemaRef ds:uri="http://purl.org/dc/terms/"/>
+    <ds:schemaRef ds:uri="http://schemas.microsoft.com/office/infopath/2007/PartnerControls"/>
+    <ds:schemaRef ds:uri="http://purl.org/dc/dcmitype/"/>
+    <ds:schemaRef ds:uri="fb0879af-3eba-417a-a55a-ffe6dcd6ca77"/>
+    <ds:schemaRef ds:uri="http://schemas.microsoft.com/office/2006/documentManagement/types"/>
+    <ds:schemaRef ds:uri="http://schemas.microsoft.com/office/2006/metadata/properties"/>
+    <ds:schemaRef ds:uri="http://schemas.microsoft.com/sharepoint/v3"/>
+    <ds:schemaRef ds:uri="http://www.w3.org/XML/1998/namespace"/>
+    <ds:schemaRef ds:uri="http://purl.org/dc/elements/1.1/"/>
+  </ds:schemaRefs>
+</ds:datastoreItem>
 </file>
 
-<file path=customXml/item3.xml><?xml version="1.0" encoding="utf-8"?>
-<p:properties xmlns:p="http://schemas.microsoft.com/office/2006/metadata/properties" xmlns:xsi="http://www.w3.org/2001/XMLSchema-instance" xmlns:pc="http://schemas.microsoft.com/office/infopath/2007/PartnerControls">
-  <documentManagement>
-    <_ip_UnifiedCompliancePolicyUIAction xmlns="http://schemas.microsoft.com/sharepoint/v3" xsi:nil="true"/>
-    <_ip_UnifiedCompliancePolicyProperties xmlns="http://schemas.microsoft.com/sharepoint/v3" xsi:nil="true"/>
-  </documentManagement>
-</p:properties>
+<file path=customXml/itemProps2.xml><?xml version="1.0" encoding="utf-8"?>
+<ds:datastoreItem xmlns:ds="http://schemas.openxmlformats.org/officeDocument/2006/customXml" ds:itemID="{FE13AB06-BF88-4433-A0BD-F8B544C9B5C3}">
+  <ds:schemaRefs>
+    <ds:schemaRef ds:uri="http://schemas.microsoft.com/sharepoint/v3/contenttype/forms"/>
+  </ds:schemaRefs>
+</ds:datastoreItem>
 </file>
 
-<file path=customXml/itemProps1.xml><?xml version="1.0" encoding="utf-8"?>
+<file path=customXml/itemProps3.xml><?xml version="1.0" encoding="utf-8"?>
 <ds:datastoreItem xmlns:ds="http://schemas.openxmlformats.org/officeDocument/2006/customXml" ds:itemID="{2797F60B-DD54-48B5-A371-5DA4912C133C}">
   <ds:schemaRefs>
     <ds:schemaRef ds:uri="http://schemas.microsoft.com/office/2006/metadata/contentType"/>
@@ -12505,30 +12544,4 @@
     <ds:schemaRef ds:uri="http://schemas.microsoft.com/internal/obd"/>
   </ds:schemaRefs>
 </ds:datastoreItem>
-</file>
-
-<file path=customXml/itemProps2.xml><?xml version="1.0" encoding="utf-8"?>
-<ds:datastoreItem xmlns:ds="http://schemas.openxmlformats.org/officeDocument/2006/customXml" ds:itemID="{FE13AB06-BF88-4433-A0BD-F8B544C9B5C3}">
-  <ds:schemaRefs>
-    <ds:schemaRef ds:uri="http://schemas.microsoft.com/sharepoint/v3/contenttype/forms"/>
-  </ds:schemaRefs>
-</ds:datastoreItem>
-</file>
-
-<file path=customXml/itemProps3.xml><?xml version="1.0" encoding="utf-8"?>
-<ds:datastoreItem xmlns:ds="http://schemas.openxmlformats.org/officeDocument/2006/customXml" ds:itemID="{88C76B70-05A8-4DEE-8E00-4F383FBFCA23}">
-  <ds:schemaRefs>
-    <ds:schemaRef ds:uri="http://schemas.openxmlformats.org/package/2006/metadata/core-properties"/>
-    <ds:schemaRef ds:uri="6dc4bcd6-49db-4c07-9060-8acfc67cef9f"/>
-    <ds:schemaRef ds:uri="http://purl.org/dc/terms/"/>
-    <ds:schemaRef ds:uri="http://schemas.microsoft.com/office/infopath/2007/PartnerControls"/>
-    <ds:schemaRef ds:uri="http://purl.org/dc/dcmitype/"/>
-    <ds:schemaRef ds:uri="fb0879af-3eba-417a-a55a-ffe6dcd6ca77"/>
-    <ds:schemaRef ds:uri="http://schemas.microsoft.com/office/2006/documentManagement/types"/>
-    <ds:schemaRef ds:uri="http://schemas.microsoft.com/office/2006/metadata/properties"/>
-    <ds:schemaRef ds:uri="http://schemas.microsoft.com/sharepoint/v3"/>
-    <ds:schemaRef ds:uri="http://www.w3.org/XML/1998/namespace"/>
-    <ds:schemaRef ds:uri="http://purl.org/dc/elements/1.1/"/>
-  </ds:schemaRefs>
-</ds:datastoreItem>
 </file>